--- a/lectures/DJ-03-Model-Single.pptx
+++ b/lectures/DJ-03-Model-Single.pptx
@@ -5,7 +5,7 @@
     <p:sldMasterId id="2147483660" r:id="rId1"/>
   </p:sldMasterIdLst>
   <p:notesMasterIdLst>
-    <p:notesMasterId r:id="rId15"/>
+    <p:notesMasterId r:id="rId16"/>
   </p:notesMasterIdLst>
   <p:sldIdLst>
     <p:sldId id="258" r:id="rId2"/>
@@ -19,8 +19,9 @@
     <p:sldId id="329" r:id="rId10"/>
     <p:sldId id="330" r:id="rId11"/>
     <p:sldId id="331" r:id="rId12"/>
-    <p:sldId id="332" r:id="rId13"/>
-    <p:sldId id="273" r:id="rId14"/>
+    <p:sldId id="333" r:id="rId13"/>
+    <p:sldId id="332" r:id="rId14"/>
+    <p:sldId id="273" r:id="rId15"/>
   </p:sldIdLst>
   <p:sldSz cx="12192000" cy="6858000"/>
   <p:notesSz cx="6858000" cy="9144000"/>
@@ -3834,10 +3835,10 @@
           <p:cNvPr id="10" name="Rectangle 9">
             <a:extLst>
               <a:ext uri="{FF2B5EF4-FFF2-40B4-BE49-F238E27FC236}">
-                <a16:creationId xmlns:a16="http://schemas.microsoft.com/office/drawing/2014/main" xmlns="" id="{E20EB187-900F-4AF5-813B-101456D9FD39}"/>
+                <a16:creationId xmlns="" xmlns:a16="http://schemas.microsoft.com/office/drawing/2014/main" id="{E20EB187-900F-4AF5-813B-101456D9FD39}"/>
               </a:ext>
               <a:ext uri="{C183D7F6-B498-43B3-948B-1728B52AA6E4}">
-                <adec:decorative xmlns:adec="http://schemas.microsoft.com/office/drawing/2017/decorative" xmlns="" val="1"/>
+                <adec:decorative xmlns="" xmlns:adec="http://schemas.microsoft.com/office/drawing/2017/decorative" val="1"/>
               </a:ext>
             </a:extLst>
           </p:cNvPr>
@@ -4011,10 +4012,10 @@
           <p:cNvPr id="12" name="Straight Connector 11">
             <a:extLst>
               <a:ext uri="{FF2B5EF4-FFF2-40B4-BE49-F238E27FC236}">
-                <a16:creationId xmlns:a16="http://schemas.microsoft.com/office/drawing/2014/main" xmlns="" id="{624D17C8-E9C2-48A4-AA36-D7048A6CCC41}"/>
+                <a16:creationId xmlns="" xmlns:a16="http://schemas.microsoft.com/office/drawing/2014/main" id="{624D17C8-E9C2-48A4-AA36-D7048A6CCC41}"/>
               </a:ext>
               <a:ext uri="{C183D7F6-B498-43B3-948B-1728B52AA6E4}">
-                <adec:decorative xmlns:adec="http://schemas.microsoft.com/office/drawing/2017/decorative" xmlns="" val="1"/>
+                <adec:decorative xmlns="" xmlns:adec="http://schemas.microsoft.com/office/drawing/2017/decorative" val="1"/>
               </a:ext>
             </a:extLst>
           </p:cNvPr>
@@ -5003,6 +5004,119 @@
           <a:chExt cx="0" cy="0"/>
         </a:xfrm>
       </p:grpSpPr>
+      <p:pic>
+        <p:nvPicPr>
+          <p:cNvPr id="4" name="Picture 3"/>
+          <p:cNvPicPr>
+            <a:picLocks noChangeAspect="1"/>
+          </p:cNvPicPr>
+          <p:nvPr/>
+        </p:nvPicPr>
+        <p:blipFill rotWithShape="1">
+          <a:blip r:embed="rId2">
+            <a:alphaModFix amt="50000"/>
+            <a:extLst>
+              <a:ext uri="{28A0092B-C50C-407E-A947-70E740481C1C}">
+                <a14:useLocalDpi xmlns:a14="http://schemas.microsoft.com/office/drawing/2010/main" val="0"/>
+              </a:ext>
+            </a:extLst>
+          </a:blip>
+          <a:srcRect b="2174"/>
+          <a:stretch/>
+        </p:blipFill>
+        <p:spPr>
+          <a:xfrm>
+            <a:off x="20" y="1"/>
+            <a:ext cx="12191980" cy="6857999"/>
+          </a:xfrm>
+          <a:prstGeom prst="rect">
+            <a:avLst/>
+          </a:prstGeom>
+        </p:spPr>
+      </p:pic>
+      <p:sp>
+        <p:nvSpPr>
+          <p:cNvPr id="2" name="Title 1"/>
+          <p:cNvSpPr>
+            <a:spLocks noGrp="1"/>
+          </p:cNvSpPr>
+          <p:nvPr>
+            <p:ph type="title"/>
+          </p:nvPr>
+        </p:nvSpPr>
+        <p:spPr/>
+        <p:txBody>
+          <a:bodyPr/>
+          <a:lstStyle/>
+          <a:p>
+            <a:r>
+              <a:rPr lang="en-US" dirty="0" smtClean="0"/>
+              <a:t>Demo</a:t>
+            </a:r>
+            <a:endParaRPr lang="en-US" dirty="0"/>
+          </a:p>
+        </p:txBody>
+      </p:sp>
+      <p:sp>
+        <p:nvSpPr>
+          <p:cNvPr id="3" name="Text Placeholder 2"/>
+          <p:cNvSpPr>
+            <a:spLocks noGrp="1"/>
+          </p:cNvSpPr>
+          <p:nvPr>
+            <p:ph type="body" idx="1"/>
+          </p:nvPr>
+        </p:nvSpPr>
+        <p:spPr/>
+        <p:txBody>
+          <a:bodyPr/>
+          <a:lstStyle/>
+          <a:p>
+            <a:r>
+              <a:rPr lang="en-US" dirty="0"/>
+              <a:t>https://</a:t>
+            </a:r>
+            <a:r>
+              <a:rPr lang="en-US" dirty="0" smtClean="0"/>
+              <a:t>www.dj4e.com/lectures/DJ-03-Model-Single.txt</a:t>
+            </a:r>
+            <a:endParaRPr lang="en-US" dirty="0"/>
+          </a:p>
+          <a:p>
+            <a:endParaRPr lang="en-US" dirty="0"/>
+          </a:p>
+        </p:txBody>
+      </p:sp>
+    </p:spTree>
+    <p:extLst>
+      <p:ext uri="{BB962C8B-B14F-4D97-AF65-F5344CB8AC3E}">
+        <p14:creationId xmlns:p14="http://schemas.microsoft.com/office/powerpoint/2010/main" val="495488396"/>
+      </p:ext>
+    </p:extLst>
+  </p:cSld>
+  <p:clrMapOvr>
+    <a:masterClrMapping/>
+  </p:clrMapOvr>
+</p:sld>
+</file>
+
+<file path=ppt/slides/slide13.xml><?xml version="1.0" encoding="utf-8"?>
+<p:sld xmlns:a="http://schemas.openxmlformats.org/drawingml/2006/main" xmlns:r="http://schemas.openxmlformats.org/officeDocument/2006/relationships" xmlns:p="http://schemas.openxmlformats.org/presentationml/2006/main">
+  <p:cSld>
+    <p:spTree>
+      <p:nvGrpSpPr>
+        <p:cNvPr id="1" name=""/>
+        <p:cNvGrpSpPr/>
+        <p:nvPr/>
+      </p:nvGrpSpPr>
+      <p:grpSpPr>
+        <a:xfrm>
+          <a:off x="0" y="0"/>
+          <a:ext cx="0" cy="0"/>
+          <a:chOff x="0" y="0"/>
+          <a:chExt cx="0" cy="0"/>
+        </a:xfrm>
+      </p:grpSpPr>
       <p:sp>
         <p:nvSpPr>
           <p:cNvPr id="3" name="Title 2"/>
@@ -5103,7 +5217,7 @@
 </p:sld>
 </file>
 
-<file path=ppt/slides/slide13.xml><?xml version="1.0" encoding="utf-8"?>
+<file path=ppt/slides/slide14.xml><?xml version="1.0" encoding="utf-8"?>
 <p:sld xmlns:a="http://schemas.openxmlformats.org/drawingml/2006/main" xmlns:r="http://schemas.openxmlformats.org/officeDocument/2006/relationships" xmlns:p="http://schemas.openxmlformats.org/presentationml/2006/main">
   <p:cSld>
     <p:spTree>

--- a/lectures/DJ-03-Model-Single.pptx
+++ b/lectures/DJ-03-Model-Single.pptx
@@ -5,7 +5,7 @@
     <p:sldMasterId id="2147483660" r:id="rId1"/>
   </p:sldMasterIdLst>
   <p:notesMasterIdLst>
-    <p:notesMasterId r:id="rId16"/>
+    <p:notesMasterId r:id="rId17"/>
   </p:notesMasterIdLst>
   <p:sldIdLst>
     <p:sldId id="258" r:id="rId2"/>
@@ -20,8 +20,9 @@
     <p:sldId id="330" r:id="rId11"/>
     <p:sldId id="331" r:id="rId12"/>
     <p:sldId id="333" r:id="rId13"/>
-    <p:sldId id="332" r:id="rId14"/>
-    <p:sldId id="273" r:id="rId15"/>
+    <p:sldId id="334" r:id="rId14"/>
+    <p:sldId id="332" r:id="rId15"/>
+    <p:sldId id="273" r:id="rId16"/>
   </p:sldIdLst>
   <p:sldSz cx="12192000" cy="6858000"/>
   <p:notesSz cx="6858000" cy="9144000"/>
@@ -210,7 +211,7 @@
           <a:p>
             <a:fld id="{C97B56FC-7D2E-F343-9D09-0D14B00AA564}" type="datetimeFigureOut">
               <a:rPr lang="en-US" smtClean="0"/>
-              <a:t>1/23/19</a:t>
+              <a:t>1/25/19</a:t>
             </a:fld>
             <a:endParaRPr lang="en-US"/>
           </a:p>
@@ -1147,7 +1148,7 @@
           <a:p>
             <a:fld id="{EEE7C04C-7AF8-1445-A186-502B631B934F}" type="datetimeFigureOut">
               <a:rPr lang="en-US" smtClean="0"/>
-              <a:t>1/23/19</a:t>
+              <a:t>1/25/19</a:t>
             </a:fld>
             <a:endParaRPr lang="en-US"/>
           </a:p>
@@ -1312,7 +1313,7 @@
           <a:p>
             <a:fld id="{EEE7C04C-7AF8-1445-A186-502B631B934F}" type="datetimeFigureOut">
               <a:rPr lang="en-US" smtClean="0"/>
-              <a:t>1/23/19</a:t>
+              <a:t>1/25/19</a:t>
             </a:fld>
             <a:endParaRPr lang="en-US"/>
           </a:p>
@@ -1487,7 +1488,7 @@
           <a:p>
             <a:fld id="{EEE7C04C-7AF8-1445-A186-502B631B934F}" type="datetimeFigureOut">
               <a:rPr lang="en-US" smtClean="0"/>
-              <a:t>1/23/19</a:t>
+              <a:t>1/25/19</a:t>
             </a:fld>
             <a:endParaRPr lang="en-US"/>
           </a:p>
@@ -1652,7 +1653,7 @@
           <a:p>
             <a:fld id="{EEE7C04C-7AF8-1445-A186-502B631B934F}" type="datetimeFigureOut">
               <a:rPr lang="en-US" smtClean="0"/>
-              <a:t>1/23/19</a:t>
+              <a:t>1/25/19</a:t>
             </a:fld>
             <a:endParaRPr lang="en-US"/>
           </a:p>
@@ -1893,7 +1894,7 @@
           <a:p>
             <a:fld id="{EEE7C04C-7AF8-1445-A186-502B631B934F}" type="datetimeFigureOut">
               <a:rPr lang="en-US" smtClean="0"/>
-              <a:t>1/23/19</a:t>
+              <a:t>1/25/19</a:t>
             </a:fld>
             <a:endParaRPr lang="en-US"/>
           </a:p>
@@ -2120,7 +2121,7 @@
           <a:p>
             <a:fld id="{EEE7C04C-7AF8-1445-A186-502B631B934F}" type="datetimeFigureOut">
               <a:rPr lang="en-US" smtClean="0"/>
-              <a:t>1/23/19</a:t>
+              <a:t>1/25/19</a:t>
             </a:fld>
             <a:endParaRPr lang="en-US"/>
           </a:p>
@@ -2482,7 +2483,7 @@
           <a:p>
             <a:fld id="{EEE7C04C-7AF8-1445-A186-502B631B934F}" type="datetimeFigureOut">
               <a:rPr lang="en-US" smtClean="0"/>
-              <a:t>1/23/19</a:t>
+              <a:t>1/25/19</a:t>
             </a:fld>
             <a:endParaRPr lang="en-US"/>
           </a:p>
@@ -2595,7 +2596,7 @@
           <a:p>
             <a:fld id="{EEE7C04C-7AF8-1445-A186-502B631B934F}" type="datetimeFigureOut">
               <a:rPr lang="en-US" smtClean="0"/>
-              <a:t>1/23/19</a:t>
+              <a:t>1/25/19</a:t>
             </a:fld>
             <a:endParaRPr lang="en-US"/>
           </a:p>
@@ -2685,7 +2686,7 @@
           <a:p>
             <a:fld id="{EEE7C04C-7AF8-1445-A186-502B631B934F}" type="datetimeFigureOut">
               <a:rPr lang="en-US" smtClean="0"/>
-              <a:t>1/23/19</a:t>
+              <a:t>1/25/19</a:t>
             </a:fld>
             <a:endParaRPr lang="en-US"/>
           </a:p>
@@ -2957,7 +2958,7 @@
           <a:p>
             <a:fld id="{EEE7C04C-7AF8-1445-A186-502B631B934F}" type="datetimeFigureOut">
               <a:rPr lang="en-US" smtClean="0"/>
-              <a:t>1/23/19</a:t>
+              <a:t>1/25/19</a:t>
             </a:fld>
             <a:endParaRPr lang="en-US"/>
           </a:p>
@@ -3209,7 +3210,7 @@
           <a:p>
             <a:fld id="{EEE7C04C-7AF8-1445-A186-502B631B934F}" type="datetimeFigureOut">
               <a:rPr lang="en-US" smtClean="0"/>
-              <a:t>1/23/19</a:t>
+              <a:t>1/25/19</a:t>
             </a:fld>
             <a:endParaRPr lang="en-US"/>
           </a:p>
@@ -3417,7 +3418,7 @@
           <a:p>
             <a:fld id="{EEE7C04C-7AF8-1445-A186-502B631B934F}" type="datetimeFigureOut">
               <a:rPr lang="en-US" smtClean="0"/>
-              <a:t>1/23/19</a:t>
+              <a:t>1/25/19</a:t>
             </a:fld>
             <a:endParaRPr lang="en-US"/>
           </a:p>
@@ -3835,10 +3836,10 @@
           <p:cNvPr id="10" name="Rectangle 9">
             <a:extLst>
               <a:ext uri="{FF2B5EF4-FFF2-40B4-BE49-F238E27FC236}">
-                <a16:creationId xmlns="" xmlns:a16="http://schemas.microsoft.com/office/drawing/2014/main" id="{E20EB187-900F-4AF5-813B-101456D9FD39}"/>
+                <a16:creationId xmlns:a16="http://schemas.microsoft.com/office/drawing/2014/main" xmlns="" id="{E20EB187-900F-4AF5-813B-101456D9FD39}"/>
               </a:ext>
               <a:ext uri="{C183D7F6-B498-43B3-948B-1728B52AA6E4}">
-                <adec:decorative xmlns="" xmlns:adec="http://schemas.microsoft.com/office/drawing/2017/decorative" val="1"/>
+                <adec:decorative xmlns:adec="http://schemas.microsoft.com/office/drawing/2017/decorative" xmlns="" val="1"/>
               </a:ext>
             </a:extLst>
           </p:cNvPr>
@@ -4012,10 +4013,10 @@
           <p:cNvPr id="12" name="Straight Connector 11">
             <a:extLst>
               <a:ext uri="{FF2B5EF4-FFF2-40B4-BE49-F238E27FC236}">
-                <a16:creationId xmlns="" xmlns:a16="http://schemas.microsoft.com/office/drawing/2014/main" id="{624D17C8-E9C2-48A4-AA36-D7048A6CCC41}"/>
+                <a16:creationId xmlns:a16="http://schemas.microsoft.com/office/drawing/2014/main" xmlns="" id="{624D17C8-E9C2-48A4-AA36-D7048A6CCC41}"/>
               </a:ext>
               <a:ext uri="{C183D7F6-B498-43B3-948B-1728B52AA6E4}">
-                <adec:decorative xmlns="" xmlns:adec="http://schemas.microsoft.com/office/drawing/2017/decorative" val="1"/>
+                <adec:decorative xmlns:adec="http://schemas.microsoft.com/office/drawing/2017/decorative" xmlns="" val="1"/>
               </a:ext>
             </a:extLst>
           </p:cNvPr>
@@ -5117,6 +5118,1919 @@
           <a:chExt cx="0" cy="0"/>
         </a:xfrm>
       </p:grpSpPr>
+      <p:pic>
+        <p:nvPicPr>
+          <p:cNvPr id="42" name="Picture 41"/>
+          <p:cNvPicPr>
+            <a:picLocks noChangeAspect="1"/>
+          </p:cNvPicPr>
+          <p:nvPr/>
+        </p:nvPicPr>
+        <p:blipFill rotWithShape="1">
+          <a:blip r:embed="rId2">
+            <a:alphaModFix/>
+            <a:extLst>
+              <a:ext uri="{28A0092B-C50C-407E-A947-70E740481C1C}">
+                <a14:useLocalDpi xmlns:a14="http://schemas.microsoft.com/office/drawing/2010/main" val="0"/>
+              </a:ext>
+            </a:extLst>
+          </a:blip>
+          <a:srcRect b="2174"/>
+          <a:stretch/>
+        </p:blipFill>
+        <p:spPr>
+          <a:xfrm>
+            <a:off x="20" y="11704"/>
+            <a:ext cx="12191980" cy="6857999"/>
+          </a:xfrm>
+          <a:prstGeom prst="rect">
+            <a:avLst/>
+          </a:prstGeom>
+        </p:spPr>
+      </p:pic>
+      <p:sp>
+        <p:nvSpPr>
+          <p:cNvPr id="5" name="Rectangle 4"/>
+          <p:cNvSpPr/>
+          <p:nvPr/>
+        </p:nvSpPr>
+        <p:spPr>
+          <a:xfrm>
+            <a:off x="4733342" y="278098"/>
+            <a:ext cx="7215642" cy="6347791"/>
+          </a:xfrm>
+          <a:prstGeom prst="rect">
+            <a:avLst/>
+          </a:prstGeom>
+          <a:solidFill>
+            <a:srgbClr val="4372C4"/>
+          </a:solidFill>
+          <a:ln w="38100">
+            <a:solidFill>
+              <a:schemeClr val="tx1"/>
+            </a:solidFill>
+          </a:ln>
+        </p:spPr>
+        <p:style>
+          <a:lnRef idx="2">
+            <a:schemeClr val="accent1">
+              <a:shade val="50000"/>
+            </a:schemeClr>
+          </a:lnRef>
+          <a:fillRef idx="1">
+            <a:schemeClr val="accent1"/>
+          </a:fillRef>
+          <a:effectRef idx="0">
+            <a:schemeClr val="accent1"/>
+          </a:effectRef>
+          <a:fontRef idx="minor">
+            <a:schemeClr val="lt1"/>
+          </a:fontRef>
+        </p:style>
+        <p:txBody>
+          <a:bodyPr rtlCol="0" anchor="t"/>
+          <a:lstStyle/>
+          <a:p>
+            <a:pPr algn="r"/>
+            <a:r>
+              <a:rPr lang="en-US" dirty="0" smtClean="0"/>
+              <a:t>Linux</a:t>
+            </a:r>
+            <a:endParaRPr lang="en-US" dirty="0"/>
+          </a:p>
+        </p:txBody>
+      </p:sp>
+      <p:sp>
+        <p:nvSpPr>
+          <p:cNvPr id="4" name="Rectangle 3"/>
+          <p:cNvSpPr/>
+          <p:nvPr/>
+        </p:nvSpPr>
+        <p:spPr>
+          <a:xfrm>
+            <a:off x="873960" y="278098"/>
+            <a:ext cx="2465935" cy="6347791"/>
+          </a:xfrm>
+          <a:prstGeom prst="rect">
+            <a:avLst/>
+          </a:prstGeom>
+          <a:solidFill>
+            <a:srgbClr val="4372C4"/>
+          </a:solidFill>
+          <a:ln w="38100">
+            <a:solidFill>
+              <a:schemeClr val="tx1"/>
+            </a:solidFill>
+          </a:ln>
+        </p:spPr>
+        <p:style>
+          <a:lnRef idx="2">
+            <a:schemeClr val="accent1">
+              <a:shade val="50000"/>
+            </a:schemeClr>
+          </a:lnRef>
+          <a:fillRef idx="1">
+            <a:schemeClr val="accent1"/>
+          </a:fillRef>
+          <a:effectRef idx="0">
+            <a:schemeClr val="accent1"/>
+          </a:effectRef>
+          <a:fontRef idx="minor">
+            <a:schemeClr val="lt1"/>
+          </a:fontRef>
+        </p:style>
+        <p:txBody>
+          <a:bodyPr rtlCol="0" anchor="t"/>
+          <a:lstStyle/>
+          <a:p>
+            <a:pPr algn="r"/>
+            <a:endParaRPr lang="en-US" dirty="0" smtClean="0"/>
+          </a:p>
+          <a:p>
+            <a:pPr algn="r"/>
+            <a:r>
+              <a:rPr lang="en-US" dirty="0" smtClean="0"/>
+              <a:t>Browser</a:t>
+            </a:r>
+            <a:endParaRPr lang="en-US" dirty="0"/>
+          </a:p>
+        </p:txBody>
+      </p:sp>
+      <p:sp>
+        <p:nvSpPr>
+          <p:cNvPr id="6" name="Rectangle 5"/>
+          <p:cNvSpPr/>
+          <p:nvPr/>
+        </p:nvSpPr>
+        <p:spPr>
+          <a:xfrm>
+            <a:off x="5987216" y="870579"/>
+            <a:ext cx="5702276" cy="5548575"/>
+          </a:xfrm>
+          <a:prstGeom prst="rect">
+            <a:avLst/>
+          </a:prstGeom>
+          <a:solidFill>
+            <a:srgbClr val="002060"/>
+          </a:solidFill>
+          <a:ln w="38100">
+            <a:solidFill>
+              <a:schemeClr val="bg1"/>
+            </a:solidFill>
+          </a:ln>
+        </p:spPr>
+        <p:style>
+          <a:lnRef idx="2">
+            <a:schemeClr val="accent1">
+              <a:shade val="50000"/>
+            </a:schemeClr>
+          </a:lnRef>
+          <a:fillRef idx="1">
+            <a:schemeClr val="accent1"/>
+          </a:fillRef>
+          <a:effectRef idx="0">
+            <a:schemeClr val="accent1"/>
+          </a:effectRef>
+          <a:fontRef idx="minor">
+            <a:schemeClr val="lt1"/>
+          </a:fontRef>
+        </p:style>
+        <p:txBody>
+          <a:bodyPr rtlCol="0" anchor="t"/>
+          <a:lstStyle/>
+          <a:p>
+            <a:pPr algn="r"/>
+            <a:r>
+              <a:rPr lang="en-US" dirty="0" err="1" smtClean="0"/>
+              <a:t>DJango</a:t>
+            </a:r>
+            <a:endParaRPr lang="en-US" dirty="0"/>
+          </a:p>
+        </p:txBody>
+      </p:sp>
+      <p:sp>
+        <p:nvSpPr>
+          <p:cNvPr id="7" name="TextBox 6"/>
+          <p:cNvSpPr txBox="1"/>
+          <p:nvPr/>
+        </p:nvSpPr>
+        <p:spPr>
+          <a:xfrm>
+            <a:off x="5987216" y="404858"/>
+            <a:ext cx="1295291" cy="369332"/>
+          </a:xfrm>
+          <a:prstGeom prst="rect">
+            <a:avLst/>
+          </a:prstGeom>
+          <a:solidFill>
+            <a:schemeClr val="tx1"/>
+          </a:solidFill>
+        </p:spPr>
+        <p:txBody>
+          <a:bodyPr wrap="none" rtlCol="0">
+            <a:spAutoFit/>
+          </a:bodyPr>
+          <a:lstStyle/>
+          <a:p>
+            <a:r>
+              <a:rPr lang="en-US" dirty="0" err="1" smtClean="0">
+                <a:solidFill>
+                  <a:schemeClr val="bg1"/>
+                </a:solidFill>
+              </a:rPr>
+              <a:t>WGSIConfig</a:t>
+            </a:r>
+            <a:endParaRPr lang="en-US" dirty="0">
+              <a:solidFill>
+                <a:schemeClr val="bg1"/>
+              </a:solidFill>
+            </a:endParaRPr>
+          </a:p>
+        </p:txBody>
+      </p:sp>
+      <p:sp>
+        <p:nvSpPr>
+          <p:cNvPr id="9" name="Rounded Rectangle 8"/>
+          <p:cNvSpPr/>
+          <p:nvPr/>
+        </p:nvSpPr>
+        <p:spPr>
+          <a:xfrm>
+            <a:off x="6347167" y="1101696"/>
+            <a:ext cx="1086678" cy="1033669"/>
+          </a:xfrm>
+          <a:prstGeom prst="roundRect">
+            <a:avLst/>
+          </a:prstGeom>
+          <a:solidFill>
+            <a:srgbClr val="0070C0"/>
+          </a:solidFill>
+        </p:spPr>
+        <p:style>
+          <a:lnRef idx="1">
+            <a:schemeClr val="dk1"/>
+          </a:lnRef>
+          <a:fillRef idx="2">
+            <a:schemeClr val="dk1"/>
+          </a:fillRef>
+          <a:effectRef idx="1">
+            <a:schemeClr val="dk1"/>
+          </a:effectRef>
+          <a:fontRef idx="minor">
+            <a:schemeClr val="dk1"/>
+          </a:fontRef>
+        </p:style>
+        <p:txBody>
+          <a:bodyPr rtlCol="0" anchor="ctr"/>
+          <a:lstStyle/>
+          <a:p>
+            <a:pPr algn="ctr"/>
+            <a:r>
+              <a:rPr lang="en-US" smtClean="0">
+                <a:solidFill>
+                  <a:schemeClr val="tx1"/>
+                </a:solidFill>
+              </a:rPr>
+              <a:t>Routing</a:t>
+            </a:r>
+            <a:endParaRPr lang="en-US">
+              <a:solidFill>
+                <a:schemeClr val="tx1"/>
+              </a:solidFill>
+            </a:endParaRPr>
+          </a:p>
+        </p:txBody>
+      </p:sp>
+      <p:sp>
+        <p:nvSpPr>
+          <p:cNvPr id="10" name="Rounded Rectangle 9"/>
+          <p:cNvSpPr/>
+          <p:nvPr/>
+        </p:nvSpPr>
+        <p:spPr>
+          <a:xfrm>
+            <a:off x="6347167" y="2675805"/>
+            <a:ext cx="1086678" cy="1033669"/>
+          </a:xfrm>
+          <a:prstGeom prst="roundRect">
+            <a:avLst/>
+          </a:prstGeom>
+          <a:solidFill>
+            <a:schemeClr val="accent2"/>
+          </a:solidFill>
+        </p:spPr>
+        <p:style>
+          <a:lnRef idx="1">
+            <a:schemeClr val="dk1"/>
+          </a:lnRef>
+          <a:fillRef idx="2">
+            <a:schemeClr val="dk1"/>
+          </a:fillRef>
+          <a:effectRef idx="1">
+            <a:schemeClr val="dk1"/>
+          </a:effectRef>
+          <a:fontRef idx="minor">
+            <a:schemeClr val="dk1"/>
+          </a:fontRef>
+        </p:style>
+        <p:txBody>
+          <a:bodyPr rtlCol="0" anchor="ctr"/>
+          <a:lstStyle/>
+          <a:p>
+            <a:pPr algn="ctr"/>
+            <a:r>
+              <a:rPr lang="en-US" dirty="0" smtClean="0">
+                <a:solidFill>
+                  <a:schemeClr val="bg1"/>
+                </a:solidFill>
+              </a:rPr>
+              <a:t>Views</a:t>
+            </a:r>
+            <a:endParaRPr lang="en-US" dirty="0">
+              <a:solidFill>
+                <a:schemeClr val="bg1"/>
+              </a:solidFill>
+            </a:endParaRPr>
+          </a:p>
+        </p:txBody>
+      </p:sp>
+      <p:sp>
+        <p:nvSpPr>
+          <p:cNvPr id="11" name="Can 10"/>
+          <p:cNvSpPr/>
+          <p:nvPr/>
+        </p:nvSpPr>
+        <p:spPr>
+          <a:xfrm>
+            <a:off x="9813128" y="4173528"/>
+            <a:ext cx="1577009" cy="646266"/>
+          </a:xfrm>
+          <a:prstGeom prst="can">
+            <a:avLst/>
+          </a:prstGeom>
+          <a:solidFill>
+            <a:srgbClr val="0070C0"/>
+          </a:solidFill>
+        </p:spPr>
+        <p:style>
+          <a:lnRef idx="2">
+            <a:schemeClr val="accent1">
+              <a:shade val="50000"/>
+            </a:schemeClr>
+          </a:lnRef>
+          <a:fillRef idx="1">
+            <a:schemeClr val="accent1"/>
+          </a:fillRef>
+          <a:effectRef idx="0">
+            <a:schemeClr val="accent1"/>
+          </a:effectRef>
+          <a:fontRef idx="minor">
+            <a:schemeClr val="lt1"/>
+          </a:fontRef>
+        </p:style>
+        <p:txBody>
+          <a:bodyPr rtlCol="0" anchor="ctr"/>
+          <a:lstStyle/>
+          <a:p>
+            <a:pPr algn="ctr"/>
+            <a:r>
+              <a:rPr lang="en-US" dirty="0" smtClean="0"/>
+              <a:t>Database</a:t>
+            </a:r>
+            <a:endParaRPr lang="en-US" dirty="0"/>
+          </a:p>
+        </p:txBody>
+      </p:sp>
+      <p:sp>
+        <p:nvSpPr>
+          <p:cNvPr id="13" name="Rounded Rectangle 12"/>
+          <p:cNvSpPr/>
+          <p:nvPr/>
+        </p:nvSpPr>
+        <p:spPr>
+          <a:xfrm>
+            <a:off x="10090027" y="2904193"/>
+            <a:ext cx="1367113" cy="516836"/>
+          </a:xfrm>
+          <a:prstGeom prst="roundRect">
+            <a:avLst/>
+          </a:prstGeom>
+        </p:spPr>
+        <p:style>
+          <a:lnRef idx="1">
+            <a:schemeClr val="dk1"/>
+          </a:lnRef>
+          <a:fillRef idx="2">
+            <a:schemeClr val="dk1"/>
+          </a:fillRef>
+          <a:effectRef idx="1">
+            <a:schemeClr val="dk1"/>
+          </a:effectRef>
+          <a:fontRef idx="minor">
+            <a:schemeClr val="dk1"/>
+          </a:fontRef>
+        </p:style>
+        <p:txBody>
+          <a:bodyPr rtlCol="0" anchor="ctr"/>
+          <a:lstStyle/>
+          <a:p>
+            <a:pPr algn="ctr"/>
+            <a:r>
+              <a:rPr lang="en-US" smtClean="0"/>
+              <a:t>Templates</a:t>
+            </a:r>
+            <a:endParaRPr lang="en-US" dirty="0" smtClean="0"/>
+          </a:p>
+        </p:txBody>
+      </p:sp>
+      <p:sp>
+        <p:nvSpPr>
+          <p:cNvPr id="16" name="Rounded Rectangle 15"/>
+          <p:cNvSpPr/>
+          <p:nvPr/>
+        </p:nvSpPr>
+        <p:spPr>
+          <a:xfrm>
+            <a:off x="7933975" y="404637"/>
+            <a:ext cx="1603514" cy="369554"/>
+          </a:xfrm>
+          <a:prstGeom prst="roundRect">
+            <a:avLst/>
+          </a:prstGeom>
+        </p:spPr>
+        <p:style>
+          <a:lnRef idx="1">
+            <a:schemeClr val="dk1"/>
+          </a:lnRef>
+          <a:fillRef idx="2">
+            <a:schemeClr val="dk1"/>
+          </a:fillRef>
+          <a:effectRef idx="1">
+            <a:schemeClr val="dk1"/>
+          </a:effectRef>
+          <a:fontRef idx="minor">
+            <a:schemeClr val="dk1"/>
+          </a:fontRef>
+        </p:style>
+        <p:txBody>
+          <a:bodyPr rtlCol="0" anchor="ctr"/>
+          <a:lstStyle/>
+          <a:p>
+            <a:pPr algn="ctr"/>
+            <a:r>
+              <a:rPr lang="en-US" smtClean="0"/>
+              <a:t>settings.py</a:t>
+            </a:r>
+            <a:endParaRPr lang="en-US" dirty="0"/>
+          </a:p>
+        </p:txBody>
+      </p:sp>
+      <p:cxnSp>
+        <p:nvCxnSpPr>
+          <p:cNvPr id="21" name="Straight Arrow Connector 20"/>
+          <p:cNvCxnSpPr/>
+          <p:nvPr/>
+        </p:nvCxnSpPr>
+        <p:spPr>
+          <a:xfrm flipH="1">
+            <a:off x="7208365" y="589414"/>
+            <a:ext cx="725611" cy="110"/>
+          </a:xfrm>
+          <a:prstGeom prst="straightConnector1">
+            <a:avLst/>
+          </a:prstGeom>
+          <a:ln w="38100">
+            <a:solidFill>
+              <a:schemeClr val="tx1"/>
+            </a:solidFill>
+            <a:tailEnd type="triangle"/>
+          </a:ln>
+        </p:spPr>
+        <p:style>
+          <a:lnRef idx="1">
+            <a:schemeClr val="accent1"/>
+          </a:lnRef>
+          <a:fillRef idx="0">
+            <a:schemeClr val="accent1"/>
+          </a:fillRef>
+          <a:effectRef idx="0">
+            <a:schemeClr val="accent1"/>
+          </a:effectRef>
+          <a:fontRef idx="minor">
+            <a:schemeClr val="tx1"/>
+          </a:fontRef>
+        </p:style>
+      </p:cxnSp>
+      <p:sp>
+        <p:nvSpPr>
+          <p:cNvPr id="23" name="Rectangle 22"/>
+          <p:cNvSpPr/>
+          <p:nvPr/>
+        </p:nvSpPr>
+        <p:spPr>
+          <a:xfrm>
+            <a:off x="4999929" y="404637"/>
+            <a:ext cx="516835" cy="6105958"/>
+          </a:xfrm>
+          <a:prstGeom prst="rect">
+            <a:avLst/>
+          </a:prstGeom>
+          <a:solidFill>
+            <a:srgbClr val="002060"/>
+          </a:solidFill>
+          <a:ln w="38100">
+            <a:solidFill>
+              <a:schemeClr val="bg1"/>
+            </a:solidFill>
+          </a:ln>
+        </p:spPr>
+        <p:style>
+          <a:lnRef idx="2">
+            <a:schemeClr val="accent1">
+              <a:shade val="50000"/>
+            </a:schemeClr>
+          </a:lnRef>
+          <a:fillRef idx="1">
+            <a:schemeClr val="accent1"/>
+          </a:fillRef>
+          <a:effectRef idx="0">
+            <a:schemeClr val="accent1"/>
+          </a:effectRef>
+          <a:fontRef idx="minor">
+            <a:schemeClr val="lt1"/>
+          </a:fontRef>
+        </p:style>
+        <p:txBody>
+          <a:bodyPr rtlCol="0" anchor="b"/>
+          <a:lstStyle/>
+          <a:p>
+            <a:pPr algn="ctr"/>
+            <a:r>
+              <a:rPr lang="en-US" dirty="0" smtClean="0"/>
+              <a:t>N</a:t>
+            </a:r>
+          </a:p>
+          <a:p>
+            <a:pPr algn="ctr"/>
+            <a:r>
+              <a:rPr lang="en-US" dirty="0" smtClean="0"/>
+              <a:t>G</a:t>
+            </a:r>
+          </a:p>
+          <a:p>
+            <a:pPr algn="ctr"/>
+            <a:r>
+              <a:rPr lang="en-US" dirty="0" smtClean="0"/>
+              <a:t>I</a:t>
+            </a:r>
+          </a:p>
+          <a:p>
+            <a:pPr algn="ctr"/>
+            <a:r>
+              <a:rPr lang="en-US" dirty="0" smtClean="0"/>
+              <a:t>N</a:t>
+            </a:r>
+            <a:br>
+              <a:rPr lang="en-US" dirty="0" smtClean="0"/>
+            </a:br>
+            <a:r>
+              <a:rPr lang="en-US" dirty="0" smtClean="0"/>
+              <a:t>X</a:t>
+            </a:r>
+          </a:p>
+          <a:p>
+            <a:pPr algn="ctr"/>
+            <a:endParaRPr lang="en-US" dirty="0"/>
+          </a:p>
+        </p:txBody>
+      </p:sp>
+      <p:cxnSp>
+        <p:nvCxnSpPr>
+          <p:cNvPr id="28" name="Straight Arrow Connector 27"/>
+          <p:cNvCxnSpPr>
+            <a:stCxn id="15" idx="1"/>
+            <a:endCxn id="9" idx="3"/>
+          </p:cNvCxnSpPr>
+          <p:nvPr/>
+        </p:nvCxnSpPr>
+        <p:spPr>
+          <a:xfrm flipH="1">
+            <a:off x="7433845" y="1610800"/>
+            <a:ext cx="1404867" cy="7731"/>
+          </a:xfrm>
+          <a:prstGeom prst="straightConnector1">
+            <a:avLst/>
+          </a:prstGeom>
+          <a:ln w="38100">
+            <a:solidFill>
+              <a:schemeClr val="tx1"/>
+            </a:solidFill>
+            <a:tailEnd type="triangle"/>
+          </a:ln>
+        </p:spPr>
+        <p:style>
+          <a:lnRef idx="1">
+            <a:schemeClr val="accent1"/>
+          </a:lnRef>
+          <a:fillRef idx="0">
+            <a:schemeClr val="accent1"/>
+          </a:fillRef>
+          <a:effectRef idx="0">
+            <a:schemeClr val="accent1"/>
+          </a:effectRef>
+          <a:fontRef idx="minor">
+            <a:schemeClr val="tx1"/>
+          </a:fontRef>
+        </p:style>
+      </p:cxnSp>
+      <p:cxnSp>
+        <p:nvCxnSpPr>
+          <p:cNvPr id="31" name="Straight Arrow Connector 30"/>
+          <p:cNvCxnSpPr>
+            <a:stCxn id="24" idx="1"/>
+            <a:endCxn id="10" idx="3"/>
+          </p:cNvCxnSpPr>
+          <p:nvPr/>
+        </p:nvCxnSpPr>
+        <p:spPr>
+          <a:xfrm flipH="1">
+            <a:off x="7433845" y="2574964"/>
+            <a:ext cx="1025979" cy="617676"/>
+          </a:xfrm>
+          <a:prstGeom prst="straightConnector1">
+            <a:avLst/>
+          </a:prstGeom>
+          <a:ln w="38100">
+            <a:solidFill>
+              <a:schemeClr val="tx1"/>
+            </a:solidFill>
+            <a:tailEnd type="triangle"/>
+          </a:ln>
+        </p:spPr>
+        <p:style>
+          <a:lnRef idx="1">
+            <a:schemeClr val="accent1"/>
+          </a:lnRef>
+          <a:fillRef idx="0">
+            <a:schemeClr val="accent1"/>
+          </a:fillRef>
+          <a:effectRef idx="0">
+            <a:schemeClr val="accent1"/>
+          </a:effectRef>
+          <a:fontRef idx="minor">
+            <a:schemeClr val="tx1"/>
+          </a:fontRef>
+        </p:style>
+      </p:cxnSp>
+      <p:cxnSp>
+        <p:nvCxnSpPr>
+          <p:cNvPr id="34" name="Straight Arrow Connector 33"/>
+          <p:cNvCxnSpPr>
+            <a:stCxn id="13" idx="1"/>
+            <a:endCxn id="10" idx="3"/>
+          </p:cNvCxnSpPr>
+          <p:nvPr/>
+        </p:nvCxnSpPr>
+        <p:spPr>
+          <a:xfrm flipH="1">
+            <a:off x="7433845" y="3162611"/>
+            <a:ext cx="2656182" cy="30029"/>
+          </a:xfrm>
+          <a:prstGeom prst="straightConnector1">
+            <a:avLst/>
+          </a:prstGeom>
+          <a:ln w="38100">
+            <a:solidFill>
+              <a:schemeClr val="tx1"/>
+            </a:solidFill>
+            <a:tailEnd type="triangle"/>
+          </a:ln>
+        </p:spPr>
+        <p:style>
+          <a:lnRef idx="1">
+            <a:schemeClr val="accent1"/>
+          </a:lnRef>
+          <a:fillRef idx="0">
+            <a:schemeClr val="accent1"/>
+          </a:fillRef>
+          <a:effectRef idx="0">
+            <a:schemeClr val="accent1"/>
+          </a:effectRef>
+          <a:fontRef idx="minor">
+            <a:schemeClr val="tx1"/>
+          </a:fontRef>
+        </p:style>
+      </p:cxnSp>
+      <p:cxnSp>
+        <p:nvCxnSpPr>
+          <p:cNvPr id="37" name="Straight Arrow Connector 36"/>
+          <p:cNvCxnSpPr>
+            <a:stCxn id="14" idx="1"/>
+            <a:endCxn id="10" idx="3"/>
+          </p:cNvCxnSpPr>
+          <p:nvPr/>
+        </p:nvCxnSpPr>
+        <p:spPr>
+          <a:xfrm flipH="1" flipV="1">
+            <a:off x="7433845" y="3192640"/>
+            <a:ext cx="1025979" cy="523310"/>
+          </a:xfrm>
+          <a:prstGeom prst="straightConnector1">
+            <a:avLst/>
+          </a:prstGeom>
+          <a:ln w="38100">
+            <a:solidFill>
+              <a:schemeClr val="tx1"/>
+            </a:solidFill>
+            <a:tailEnd type="triangle"/>
+          </a:ln>
+        </p:spPr>
+        <p:style>
+          <a:lnRef idx="1">
+            <a:schemeClr val="accent1"/>
+          </a:lnRef>
+          <a:fillRef idx="0">
+            <a:schemeClr val="accent1"/>
+          </a:fillRef>
+          <a:effectRef idx="0">
+            <a:schemeClr val="accent1"/>
+          </a:effectRef>
+          <a:fontRef idx="minor">
+            <a:schemeClr val="tx1"/>
+          </a:fontRef>
+        </p:style>
+      </p:cxnSp>
+      <p:cxnSp>
+        <p:nvCxnSpPr>
+          <p:cNvPr id="40" name="Straight Arrow Connector 39"/>
+          <p:cNvCxnSpPr>
+            <a:stCxn id="11" idx="2"/>
+            <a:endCxn id="49" idx="3"/>
+          </p:cNvCxnSpPr>
+          <p:nvPr/>
+        </p:nvCxnSpPr>
+        <p:spPr>
+          <a:xfrm flipH="1">
+            <a:off x="9207965" y="4496661"/>
+            <a:ext cx="605163" cy="435308"/>
+          </a:xfrm>
+          <a:prstGeom prst="straightConnector1">
+            <a:avLst/>
+          </a:prstGeom>
+          <a:ln w="38100">
+            <a:solidFill>
+              <a:schemeClr val="tx1"/>
+            </a:solidFill>
+            <a:headEnd type="triangle" w="med" len="med"/>
+            <a:tailEnd type="triangle" w="med" len="med"/>
+          </a:ln>
+        </p:spPr>
+        <p:style>
+          <a:lnRef idx="1">
+            <a:schemeClr val="accent1"/>
+          </a:lnRef>
+          <a:fillRef idx="0">
+            <a:schemeClr val="accent1"/>
+          </a:fillRef>
+          <a:effectRef idx="0">
+            <a:schemeClr val="accent1"/>
+          </a:effectRef>
+          <a:fontRef idx="minor">
+            <a:schemeClr val="tx1"/>
+          </a:fontRef>
+        </p:style>
+      </p:cxnSp>
+      <p:sp>
+        <p:nvSpPr>
+          <p:cNvPr id="15" name="Rounded Rectangle 14"/>
+          <p:cNvSpPr/>
+          <p:nvPr/>
+        </p:nvSpPr>
+        <p:spPr>
+          <a:xfrm>
+            <a:off x="8838712" y="1385733"/>
+            <a:ext cx="1439996" cy="450133"/>
+          </a:xfrm>
+          <a:prstGeom prst="roundRect">
+            <a:avLst/>
+          </a:prstGeom>
+        </p:spPr>
+        <p:style>
+          <a:lnRef idx="1">
+            <a:schemeClr val="dk1"/>
+          </a:lnRef>
+          <a:fillRef idx="2">
+            <a:schemeClr val="dk1"/>
+          </a:fillRef>
+          <a:effectRef idx="1">
+            <a:schemeClr val="dk1"/>
+          </a:effectRef>
+          <a:fontRef idx="minor">
+            <a:schemeClr val="dk1"/>
+          </a:fontRef>
+        </p:style>
+        <p:txBody>
+          <a:bodyPr rtlCol="0" anchor="ctr"/>
+          <a:lstStyle/>
+          <a:p>
+            <a:pPr algn="ctr"/>
+            <a:r>
+              <a:rPr lang="en-US" dirty="0" err="1" smtClean="0"/>
+              <a:t>urls.py</a:t>
+            </a:r>
+            <a:endParaRPr lang="en-US" dirty="0"/>
+          </a:p>
+        </p:txBody>
+      </p:sp>
+      <p:sp>
+        <p:nvSpPr>
+          <p:cNvPr id="24" name="Rounded Rectangle 23"/>
+          <p:cNvSpPr/>
+          <p:nvPr/>
+        </p:nvSpPr>
+        <p:spPr>
+          <a:xfrm>
+            <a:off x="8459824" y="2316546"/>
+            <a:ext cx="1308844" cy="516836"/>
+          </a:xfrm>
+          <a:prstGeom prst="roundRect">
+            <a:avLst/>
+          </a:prstGeom>
+        </p:spPr>
+        <p:style>
+          <a:lnRef idx="1">
+            <a:schemeClr val="dk1"/>
+          </a:lnRef>
+          <a:fillRef idx="2">
+            <a:schemeClr val="dk1"/>
+          </a:fillRef>
+          <a:effectRef idx="1">
+            <a:schemeClr val="dk1"/>
+          </a:effectRef>
+          <a:fontRef idx="minor">
+            <a:schemeClr val="dk1"/>
+          </a:fontRef>
+        </p:style>
+        <p:txBody>
+          <a:bodyPr rtlCol="0" anchor="ctr"/>
+          <a:lstStyle/>
+          <a:p>
+            <a:pPr algn="ctr"/>
+            <a:r>
+              <a:rPr lang="en-US" dirty="0" err="1" smtClean="0"/>
+              <a:t>views.py</a:t>
+            </a:r>
+            <a:endParaRPr lang="en-US" dirty="0" smtClean="0"/>
+          </a:p>
+        </p:txBody>
+      </p:sp>
+      <p:sp>
+        <p:nvSpPr>
+          <p:cNvPr id="14" name="Rounded Rectangle 13"/>
+          <p:cNvSpPr/>
+          <p:nvPr/>
+        </p:nvSpPr>
+        <p:spPr>
+          <a:xfrm>
+            <a:off x="8459824" y="3465107"/>
+            <a:ext cx="1355820" cy="501686"/>
+          </a:xfrm>
+          <a:prstGeom prst="roundRect">
+            <a:avLst/>
+          </a:prstGeom>
+        </p:spPr>
+        <p:style>
+          <a:lnRef idx="1">
+            <a:schemeClr val="dk1"/>
+          </a:lnRef>
+          <a:fillRef idx="2">
+            <a:schemeClr val="dk1"/>
+          </a:fillRef>
+          <a:effectRef idx="1">
+            <a:schemeClr val="dk1"/>
+          </a:effectRef>
+          <a:fontRef idx="minor">
+            <a:schemeClr val="dk1"/>
+          </a:fontRef>
+        </p:style>
+        <p:txBody>
+          <a:bodyPr rtlCol="0" anchor="ctr"/>
+          <a:lstStyle/>
+          <a:p>
+            <a:pPr algn="ctr"/>
+            <a:r>
+              <a:rPr lang="en-US" dirty="0" err="1" smtClean="0"/>
+              <a:t>forms.py</a:t>
+            </a:r>
+            <a:endParaRPr lang="en-US" dirty="0"/>
+          </a:p>
+        </p:txBody>
+      </p:sp>
+      <p:sp>
+        <p:nvSpPr>
+          <p:cNvPr id="49" name="Rounded Rectangle 48"/>
+          <p:cNvSpPr/>
+          <p:nvPr/>
+        </p:nvSpPr>
+        <p:spPr>
+          <a:xfrm>
+            <a:off x="8121287" y="4415134"/>
+            <a:ext cx="1086678" cy="1033669"/>
+          </a:xfrm>
+          <a:prstGeom prst="roundRect">
+            <a:avLst/>
+          </a:prstGeom>
+          <a:solidFill>
+            <a:srgbClr val="0070C0"/>
+          </a:solidFill>
+        </p:spPr>
+        <p:style>
+          <a:lnRef idx="1">
+            <a:schemeClr val="dk1"/>
+          </a:lnRef>
+          <a:fillRef idx="2">
+            <a:schemeClr val="dk1"/>
+          </a:fillRef>
+          <a:effectRef idx="1">
+            <a:schemeClr val="dk1"/>
+          </a:effectRef>
+          <a:fontRef idx="minor">
+            <a:schemeClr val="dk1"/>
+          </a:fontRef>
+        </p:style>
+        <p:txBody>
+          <a:bodyPr rtlCol="0" anchor="ctr"/>
+          <a:lstStyle/>
+          <a:p>
+            <a:pPr algn="ctr"/>
+            <a:r>
+              <a:rPr lang="en-US" dirty="0" smtClean="0">
+                <a:solidFill>
+                  <a:schemeClr val="tx1"/>
+                </a:solidFill>
+              </a:rPr>
+              <a:t>Models</a:t>
+            </a:r>
+            <a:endParaRPr lang="en-US" dirty="0">
+              <a:solidFill>
+                <a:schemeClr val="tx1"/>
+              </a:solidFill>
+            </a:endParaRPr>
+          </a:p>
+        </p:txBody>
+      </p:sp>
+      <p:cxnSp>
+        <p:nvCxnSpPr>
+          <p:cNvPr id="56" name="Straight Arrow Connector 55"/>
+          <p:cNvCxnSpPr>
+            <a:stCxn id="76" idx="1"/>
+            <a:endCxn id="49" idx="3"/>
+          </p:cNvCxnSpPr>
+          <p:nvPr/>
+        </p:nvCxnSpPr>
+        <p:spPr>
+          <a:xfrm flipH="1" flipV="1">
+            <a:off x="9207965" y="4931969"/>
+            <a:ext cx="682363" cy="516834"/>
+          </a:xfrm>
+          <a:prstGeom prst="straightConnector1">
+            <a:avLst/>
+          </a:prstGeom>
+          <a:ln w="38100">
+            <a:solidFill>
+              <a:schemeClr val="tx1"/>
+            </a:solidFill>
+            <a:tailEnd type="triangle"/>
+          </a:ln>
+        </p:spPr>
+        <p:style>
+          <a:lnRef idx="1">
+            <a:schemeClr val="accent1"/>
+          </a:lnRef>
+          <a:fillRef idx="0">
+            <a:schemeClr val="accent1"/>
+          </a:fillRef>
+          <a:effectRef idx="0">
+            <a:schemeClr val="accent1"/>
+          </a:effectRef>
+          <a:fontRef idx="minor">
+            <a:schemeClr val="tx1"/>
+          </a:fontRef>
+        </p:style>
+      </p:cxnSp>
+      <p:cxnSp>
+        <p:nvCxnSpPr>
+          <p:cNvPr id="60" name="Straight Arrow Connector 59"/>
+          <p:cNvCxnSpPr>
+            <a:endCxn id="10" idx="0"/>
+          </p:cNvCxnSpPr>
+          <p:nvPr/>
+        </p:nvCxnSpPr>
+        <p:spPr>
+          <a:xfrm>
+            <a:off x="6890506" y="2135365"/>
+            <a:ext cx="0" cy="540440"/>
+          </a:xfrm>
+          <a:prstGeom prst="straightConnector1">
+            <a:avLst/>
+          </a:prstGeom>
+          <a:ln w="38100">
+            <a:solidFill>
+              <a:srgbClr val="FFFF00"/>
+            </a:solidFill>
+            <a:tailEnd type="triangle"/>
+          </a:ln>
+        </p:spPr>
+        <p:style>
+          <a:lnRef idx="1">
+            <a:schemeClr val="accent1"/>
+          </a:lnRef>
+          <a:fillRef idx="0">
+            <a:schemeClr val="accent1"/>
+          </a:fillRef>
+          <a:effectRef idx="0">
+            <a:schemeClr val="accent1"/>
+          </a:effectRef>
+          <a:fontRef idx="minor">
+            <a:schemeClr val="tx1"/>
+          </a:fontRef>
+        </p:style>
+      </p:cxnSp>
+      <p:cxnSp>
+        <p:nvCxnSpPr>
+          <p:cNvPr id="64" name="Straight Arrow Connector 63"/>
+          <p:cNvCxnSpPr>
+            <a:stCxn id="49" idx="0"/>
+            <a:endCxn id="10" idx="2"/>
+          </p:cNvCxnSpPr>
+          <p:nvPr/>
+        </p:nvCxnSpPr>
+        <p:spPr>
+          <a:xfrm flipH="1" flipV="1">
+            <a:off x="6890506" y="3709474"/>
+            <a:ext cx="1774120" cy="705660"/>
+          </a:xfrm>
+          <a:prstGeom prst="straightConnector1">
+            <a:avLst/>
+          </a:prstGeom>
+          <a:ln w="38100">
+            <a:solidFill>
+              <a:schemeClr val="tx1"/>
+            </a:solidFill>
+            <a:headEnd type="triangle" w="med" len="med"/>
+            <a:tailEnd type="triangle" w="med" len="med"/>
+          </a:ln>
+        </p:spPr>
+        <p:style>
+          <a:lnRef idx="1">
+            <a:schemeClr val="accent1"/>
+          </a:lnRef>
+          <a:fillRef idx="0">
+            <a:schemeClr val="accent1"/>
+          </a:fillRef>
+          <a:effectRef idx="0">
+            <a:schemeClr val="accent1"/>
+          </a:effectRef>
+          <a:fontRef idx="minor">
+            <a:schemeClr val="tx1"/>
+          </a:fontRef>
+        </p:style>
+      </p:cxnSp>
+      <p:sp>
+        <p:nvSpPr>
+          <p:cNvPr id="73" name="Cloud Callout 72"/>
+          <p:cNvSpPr/>
+          <p:nvPr/>
+        </p:nvSpPr>
+        <p:spPr>
+          <a:xfrm>
+            <a:off x="3585593" y="2064215"/>
+            <a:ext cx="934720" cy="653442"/>
+          </a:xfrm>
+          <a:prstGeom prst="cloudCallout">
+            <a:avLst>
+              <a:gd name="adj1" fmla="val 906"/>
+              <a:gd name="adj2" fmla="val -1249"/>
+            </a:avLst>
+          </a:prstGeom>
+          <a:solidFill>
+            <a:schemeClr val="tx1">
+              <a:lumMod val="50000"/>
+              <a:lumOff val="50000"/>
+            </a:schemeClr>
+          </a:solidFill>
+          <a:ln>
+            <a:noFill/>
+          </a:ln>
+        </p:spPr>
+        <p:style>
+          <a:lnRef idx="2">
+            <a:schemeClr val="accent1">
+              <a:shade val="50000"/>
+            </a:schemeClr>
+          </a:lnRef>
+          <a:fillRef idx="1">
+            <a:schemeClr val="accent1"/>
+          </a:fillRef>
+          <a:effectRef idx="0">
+            <a:schemeClr val="accent1"/>
+          </a:effectRef>
+          <a:fontRef idx="minor">
+            <a:schemeClr val="lt1"/>
+          </a:fontRef>
+        </p:style>
+        <p:txBody>
+          <a:bodyPr rtlCol="0" anchor="ctr"/>
+          <a:lstStyle/>
+          <a:p>
+            <a:pPr algn="ctr"/>
+            <a:endParaRPr lang="en-US"/>
+          </a:p>
+        </p:txBody>
+      </p:sp>
+      <p:sp>
+        <p:nvSpPr>
+          <p:cNvPr id="76" name="Rounded Rectangle 75"/>
+          <p:cNvSpPr/>
+          <p:nvPr/>
+        </p:nvSpPr>
+        <p:spPr>
+          <a:xfrm>
+            <a:off x="9890328" y="5197960"/>
+            <a:ext cx="1357391" cy="501686"/>
+          </a:xfrm>
+          <a:prstGeom prst="roundRect">
+            <a:avLst/>
+          </a:prstGeom>
+        </p:spPr>
+        <p:style>
+          <a:lnRef idx="1">
+            <a:schemeClr val="dk1"/>
+          </a:lnRef>
+          <a:fillRef idx="2">
+            <a:schemeClr val="dk1"/>
+          </a:fillRef>
+          <a:effectRef idx="1">
+            <a:schemeClr val="dk1"/>
+          </a:effectRef>
+          <a:fontRef idx="minor">
+            <a:schemeClr val="dk1"/>
+          </a:fontRef>
+        </p:style>
+        <p:txBody>
+          <a:bodyPr rtlCol="0" anchor="ctr"/>
+          <a:lstStyle/>
+          <a:p>
+            <a:pPr algn="ctr"/>
+            <a:r>
+              <a:rPr lang="en-US" dirty="0" err="1" smtClean="0"/>
+              <a:t>model.py</a:t>
+            </a:r>
+            <a:endParaRPr lang="en-US" dirty="0"/>
+          </a:p>
+        </p:txBody>
+      </p:sp>
+      <p:sp>
+        <p:nvSpPr>
+          <p:cNvPr id="77" name="Rectangle 76"/>
+          <p:cNvSpPr/>
+          <p:nvPr/>
+        </p:nvSpPr>
+        <p:spPr>
+          <a:xfrm>
+            <a:off x="1078762" y="404637"/>
+            <a:ext cx="516835" cy="6105958"/>
+          </a:xfrm>
+          <a:prstGeom prst="rect">
+            <a:avLst/>
+          </a:prstGeom>
+          <a:solidFill>
+            <a:srgbClr val="002060"/>
+          </a:solidFill>
+          <a:ln w="38100">
+            <a:solidFill>
+              <a:schemeClr val="bg1"/>
+            </a:solidFill>
+          </a:ln>
+        </p:spPr>
+        <p:style>
+          <a:lnRef idx="2">
+            <a:schemeClr val="accent1">
+              <a:shade val="50000"/>
+            </a:schemeClr>
+          </a:lnRef>
+          <a:fillRef idx="1">
+            <a:schemeClr val="accent1"/>
+          </a:fillRef>
+          <a:effectRef idx="0">
+            <a:schemeClr val="accent1"/>
+          </a:effectRef>
+          <a:fontRef idx="minor">
+            <a:schemeClr val="lt1"/>
+          </a:fontRef>
+        </p:style>
+        <p:txBody>
+          <a:bodyPr rtlCol="0" anchor="ctr"/>
+          <a:lstStyle/>
+          <a:p>
+            <a:pPr algn="ctr"/>
+            <a:r>
+              <a:rPr lang="en-US" dirty="0" smtClean="0"/>
+              <a:t>D</a:t>
+            </a:r>
+          </a:p>
+          <a:p>
+            <a:pPr algn="ctr"/>
+            <a:r>
+              <a:rPr lang="en-US" dirty="0" smtClean="0"/>
+              <a:t>O</a:t>
+            </a:r>
+          </a:p>
+          <a:p>
+            <a:pPr algn="ctr"/>
+            <a:r>
+              <a:rPr lang="en-US" dirty="0" smtClean="0"/>
+              <a:t>M</a:t>
+            </a:r>
+            <a:endParaRPr lang="en-US" dirty="0"/>
+          </a:p>
+        </p:txBody>
+      </p:sp>
+      <p:sp>
+        <p:nvSpPr>
+          <p:cNvPr id="78" name="Rounded Rectangle 77"/>
+          <p:cNvSpPr/>
+          <p:nvPr/>
+        </p:nvSpPr>
+        <p:spPr>
+          <a:xfrm>
+            <a:off x="2088487" y="2703730"/>
+            <a:ext cx="1230519" cy="947790"/>
+          </a:xfrm>
+          <a:prstGeom prst="roundRect">
+            <a:avLst/>
+          </a:prstGeom>
+          <a:solidFill>
+            <a:srgbClr val="002060"/>
+          </a:solidFill>
+          <a:ln>
+            <a:noFill/>
+          </a:ln>
+        </p:spPr>
+        <p:style>
+          <a:lnRef idx="1">
+            <a:schemeClr val="dk1"/>
+          </a:lnRef>
+          <a:fillRef idx="2">
+            <a:schemeClr val="dk1"/>
+          </a:fillRef>
+          <a:effectRef idx="1">
+            <a:schemeClr val="dk1"/>
+          </a:effectRef>
+          <a:fontRef idx="minor">
+            <a:schemeClr val="dk1"/>
+          </a:fontRef>
+        </p:style>
+        <p:txBody>
+          <a:bodyPr rtlCol="0" anchor="ctr"/>
+          <a:lstStyle/>
+          <a:p>
+            <a:pPr algn="ctr"/>
+            <a:r>
+              <a:rPr lang="en-US" dirty="0" smtClean="0">
+                <a:solidFill>
+                  <a:schemeClr val="tx1"/>
+                </a:solidFill>
+              </a:rPr>
+              <a:t>Parse</a:t>
+            </a:r>
+          </a:p>
+          <a:p>
+            <a:pPr algn="ctr"/>
+            <a:r>
+              <a:rPr lang="en-US" dirty="0" smtClean="0">
+                <a:solidFill>
+                  <a:schemeClr val="tx1"/>
+                </a:solidFill>
+              </a:rPr>
+              <a:t>Response</a:t>
+            </a:r>
+            <a:endParaRPr lang="en-US" dirty="0">
+              <a:solidFill>
+                <a:schemeClr val="tx1"/>
+              </a:solidFill>
+            </a:endParaRPr>
+          </a:p>
+        </p:txBody>
+      </p:sp>
+      <p:sp>
+        <p:nvSpPr>
+          <p:cNvPr id="79" name="Rectangle 78"/>
+          <p:cNvSpPr/>
+          <p:nvPr/>
+        </p:nvSpPr>
+        <p:spPr>
+          <a:xfrm>
+            <a:off x="1908003" y="4073744"/>
+            <a:ext cx="1419280" cy="2345410"/>
+          </a:xfrm>
+          <a:prstGeom prst="rect">
+            <a:avLst/>
+          </a:prstGeom>
+          <a:solidFill>
+            <a:schemeClr val="tx1">
+              <a:lumMod val="65000"/>
+            </a:schemeClr>
+          </a:solidFill>
+          <a:ln w="28575">
+            <a:solidFill>
+              <a:schemeClr val="tx1"/>
+            </a:solidFill>
+          </a:ln>
+        </p:spPr>
+        <p:style>
+          <a:lnRef idx="2">
+            <a:schemeClr val="accent1">
+              <a:shade val="50000"/>
+            </a:schemeClr>
+          </a:lnRef>
+          <a:fillRef idx="1">
+            <a:schemeClr val="accent1"/>
+          </a:fillRef>
+          <a:effectRef idx="0">
+            <a:schemeClr val="accent1"/>
+          </a:effectRef>
+          <a:fontRef idx="minor">
+            <a:schemeClr val="lt1"/>
+          </a:fontRef>
+        </p:style>
+        <p:txBody>
+          <a:bodyPr rtlCol="0" anchor="b"/>
+          <a:lstStyle/>
+          <a:p>
+            <a:r>
+              <a:rPr lang="en-US" dirty="0" err="1" smtClean="0"/>
+              <a:t>Javascript</a:t>
+            </a:r>
+            <a:endParaRPr lang="en-US" dirty="0" smtClean="0"/>
+          </a:p>
+          <a:p>
+            <a:endParaRPr lang="en-US" dirty="0"/>
+          </a:p>
+        </p:txBody>
+      </p:sp>
+      <p:pic>
+        <p:nvPicPr>
+          <p:cNvPr id="81" name="Picture 80"/>
+          <p:cNvPicPr>
+            <a:picLocks noChangeAspect="1"/>
+          </p:cNvPicPr>
+          <p:nvPr/>
+        </p:nvPicPr>
+        <p:blipFill>
+          <a:blip r:embed="rId3">
+            <a:extLst>
+              <a:ext uri="{28A0092B-C50C-407E-A947-70E740481C1C}">
+                <a14:useLocalDpi xmlns:a14="http://schemas.microsoft.com/office/drawing/2010/main" val="0"/>
+              </a:ext>
+            </a:extLst>
+          </a:blip>
+          <a:stretch>
+            <a:fillRect/>
+          </a:stretch>
+        </p:blipFill>
+        <p:spPr>
+          <a:xfrm>
+            <a:off x="-343366" y="1852927"/>
+            <a:ext cx="1473755" cy="1105316"/>
+          </a:xfrm>
+          <a:prstGeom prst="rect">
+            <a:avLst/>
+          </a:prstGeom>
+        </p:spPr>
+      </p:pic>
+      <p:sp>
+        <p:nvSpPr>
+          <p:cNvPr id="41" name="Rounded Rectangle 40"/>
+          <p:cNvSpPr/>
+          <p:nvPr/>
+        </p:nvSpPr>
+        <p:spPr>
+          <a:xfrm>
+            <a:off x="8102028" y="5683135"/>
+            <a:ext cx="1319815" cy="501686"/>
+          </a:xfrm>
+          <a:prstGeom prst="roundRect">
+            <a:avLst/>
+          </a:prstGeom>
+        </p:spPr>
+        <p:style>
+          <a:lnRef idx="1">
+            <a:schemeClr val="dk1"/>
+          </a:lnRef>
+          <a:fillRef idx="2">
+            <a:schemeClr val="dk1"/>
+          </a:fillRef>
+          <a:effectRef idx="1">
+            <a:schemeClr val="dk1"/>
+          </a:effectRef>
+          <a:fontRef idx="minor">
+            <a:schemeClr val="dk1"/>
+          </a:fontRef>
+        </p:style>
+        <p:txBody>
+          <a:bodyPr rtlCol="0" anchor="ctr"/>
+          <a:lstStyle/>
+          <a:p>
+            <a:pPr algn="ctr"/>
+            <a:r>
+              <a:rPr lang="en-US" dirty="0" err="1" smtClean="0"/>
+              <a:t>admin.py</a:t>
+            </a:r>
+            <a:endParaRPr lang="en-US" dirty="0"/>
+          </a:p>
+        </p:txBody>
+      </p:sp>
+      <p:sp>
+        <p:nvSpPr>
+          <p:cNvPr id="39" name="Rounded Rectangle 38"/>
+          <p:cNvSpPr/>
+          <p:nvPr/>
+        </p:nvSpPr>
+        <p:spPr>
+          <a:xfrm>
+            <a:off x="6396262" y="4400416"/>
+            <a:ext cx="1086678" cy="592481"/>
+          </a:xfrm>
+          <a:prstGeom prst="roundRect">
+            <a:avLst/>
+          </a:prstGeom>
+          <a:solidFill>
+            <a:schemeClr val="accent2"/>
+          </a:solidFill>
+        </p:spPr>
+        <p:style>
+          <a:lnRef idx="1">
+            <a:schemeClr val="dk1"/>
+          </a:lnRef>
+          <a:fillRef idx="2">
+            <a:schemeClr val="dk1"/>
+          </a:fillRef>
+          <a:effectRef idx="1">
+            <a:schemeClr val="dk1"/>
+          </a:effectRef>
+          <a:fontRef idx="minor">
+            <a:schemeClr val="dk1"/>
+          </a:fontRef>
+        </p:style>
+        <p:txBody>
+          <a:bodyPr rtlCol="0" anchor="ctr"/>
+          <a:lstStyle/>
+          <a:p>
+            <a:pPr algn="ctr"/>
+            <a:r>
+              <a:rPr lang="en-US" dirty="0" smtClean="0">
+                <a:solidFill>
+                  <a:schemeClr val="bg1"/>
+                </a:solidFill>
+              </a:rPr>
+              <a:t>Shell</a:t>
+            </a:r>
+          </a:p>
+        </p:txBody>
+      </p:sp>
+      <p:cxnSp>
+        <p:nvCxnSpPr>
+          <p:cNvPr id="43" name="Straight Arrow Connector 42"/>
+          <p:cNvCxnSpPr>
+            <a:endCxn id="9" idx="1"/>
+          </p:cNvCxnSpPr>
+          <p:nvPr/>
+        </p:nvCxnSpPr>
+        <p:spPr>
+          <a:xfrm>
+            <a:off x="1337179" y="1543199"/>
+            <a:ext cx="5009988" cy="75332"/>
+          </a:xfrm>
+          <a:prstGeom prst="straightConnector1">
+            <a:avLst/>
+          </a:prstGeom>
+          <a:ln w="38100">
+            <a:solidFill>
+              <a:srgbClr val="FFFF00"/>
+            </a:solidFill>
+            <a:tailEnd type="triangle"/>
+          </a:ln>
+        </p:spPr>
+        <p:style>
+          <a:lnRef idx="1">
+            <a:schemeClr val="accent1"/>
+          </a:lnRef>
+          <a:fillRef idx="0">
+            <a:schemeClr val="accent1"/>
+          </a:fillRef>
+          <a:effectRef idx="0">
+            <a:schemeClr val="accent1"/>
+          </a:effectRef>
+          <a:fontRef idx="minor">
+            <a:schemeClr val="tx1"/>
+          </a:fontRef>
+        </p:style>
+      </p:cxnSp>
+      <p:cxnSp>
+        <p:nvCxnSpPr>
+          <p:cNvPr id="44" name="Straight Arrow Connector 43"/>
+          <p:cNvCxnSpPr>
+            <a:stCxn id="10" idx="1"/>
+            <a:endCxn id="78" idx="3"/>
+          </p:cNvCxnSpPr>
+          <p:nvPr/>
+        </p:nvCxnSpPr>
+        <p:spPr>
+          <a:xfrm flipH="1" flipV="1">
+            <a:off x="3319006" y="3177625"/>
+            <a:ext cx="3028161" cy="15015"/>
+          </a:xfrm>
+          <a:prstGeom prst="straightConnector1">
+            <a:avLst/>
+          </a:prstGeom>
+          <a:ln w="38100">
+            <a:solidFill>
+              <a:srgbClr val="FFFF00"/>
+            </a:solidFill>
+            <a:tailEnd type="triangle"/>
+          </a:ln>
+        </p:spPr>
+        <p:style>
+          <a:lnRef idx="1">
+            <a:schemeClr val="accent1"/>
+          </a:lnRef>
+          <a:fillRef idx="0">
+            <a:schemeClr val="accent1"/>
+          </a:fillRef>
+          <a:effectRef idx="0">
+            <a:schemeClr val="accent1"/>
+          </a:effectRef>
+          <a:fontRef idx="minor">
+            <a:schemeClr val="tx1"/>
+          </a:fontRef>
+        </p:style>
+      </p:cxnSp>
+      <p:cxnSp>
+        <p:nvCxnSpPr>
+          <p:cNvPr id="47" name="Straight Arrow Connector 46"/>
+          <p:cNvCxnSpPr>
+            <a:stCxn id="78" idx="1"/>
+            <a:endCxn id="77" idx="3"/>
+          </p:cNvCxnSpPr>
+          <p:nvPr/>
+        </p:nvCxnSpPr>
+        <p:spPr>
+          <a:xfrm flipH="1">
+            <a:off x="1595597" y="3177625"/>
+            <a:ext cx="492890" cy="279991"/>
+          </a:xfrm>
+          <a:prstGeom prst="straightConnector1">
+            <a:avLst/>
+          </a:prstGeom>
+          <a:ln w="38100">
+            <a:solidFill>
+              <a:srgbClr val="FFFF00"/>
+            </a:solidFill>
+            <a:tailEnd type="triangle"/>
+          </a:ln>
+        </p:spPr>
+        <p:style>
+          <a:lnRef idx="1">
+            <a:schemeClr val="accent1"/>
+          </a:lnRef>
+          <a:fillRef idx="0">
+            <a:schemeClr val="accent1"/>
+          </a:fillRef>
+          <a:effectRef idx="0">
+            <a:schemeClr val="accent1"/>
+          </a:effectRef>
+          <a:fontRef idx="minor">
+            <a:schemeClr val="tx1"/>
+          </a:fontRef>
+        </p:style>
+      </p:cxnSp>
+      <p:sp>
+        <p:nvSpPr>
+          <p:cNvPr id="50" name="Rounded Rectangle 49"/>
+          <p:cNvSpPr/>
+          <p:nvPr/>
+        </p:nvSpPr>
+        <p:spPr>
+          <a:xfrm>
+            <a:off x="6428560" y="5430454"/>
+            <a:ext cx="1086678" cy="592481"/>
+          </a:xfrm>
+          <a:prstGeom prst="roundRect">
+            <a:avLst/>
+          </a:prstGeom>
+          <a:solidFill>
+            <a:schemeClr val="accent2"/>
+          </a:solidFill>
+        </p:spPr>
+        <p:style>
+          <a:lnRef idx="1">
+            <a:schemeClr val="dk1"/>
+          </a:lnRef>
+          <a:fillRef idx="2">
+            <a:schemeClr val="dk1"/>
+          </a:fillRef>
+          <a:effectRef idx="1">
+            <a:schemeClr val="dk1"/>
+          </a:effectRef>
+          <a:fontRef idx="minor">
+            <a:schemeClr val="dk1"/>
+          </a:fontRef>
+        </p:style>
+        <p:txBody>
+          <a:bodyPr rtlCol="0" anchor="ctr"/>
+          <a:lstStyle/>
+          <a:p>
+            <a:pPr algn="ctr"/>
+            <a:r>
+              <a:rPr lang="en-US" dirty="0" smtClean="0">
+                <a:solidFill>
+                  <a:schemeClr val="bg1"/>
+                </a:solidFill>
+              </a:rPr>
+              <a:t>/admin</a:t>
+            </a:r>
+          </a:p>
+        </p:txBody>
+      </p:sp>
+      <p:cxnSp>
+        <p:nvCxnSpPr>
+          <p:cNvPr id="51" name="Straight Arrow Connector 50"/>
+          <p:cNvCxnSpPr>
+            <a:stCxn id="49" idx="1"/>
+            <a:endCxn id="39" idx="3"/>
+          </p:cNvCxnSpPr>
+          <p:nvPr/>
+        </p:nvCxnSpPr>
+        <p:spPr>
+          <a:xfrm flipH="1" flipV="1">
+            <a:off x="7482940" y="4696657"/>
+            <a:ext cx="638347" cy="235312"/>
+          </a:xfrm>
+          <a:prstGeom prst="straightConnector1">
+            <a:avLst/>
+          </a:prstGeom>
+          <a:ln w="38100">
+            <a:solidFill>
+              <a:schemeClr val="tx1"/>
+            </a:solidFill>
+            <a:tailEnd type="triangle"/>
+          </a:ln>
+        </p:spPr>
+        <p:style>
+          <a:lnRef idx="1">
+            <a:schemeClr val="accent1"/>
+          </a:lnRef>
+          <a:fillRef idx="0">
+            <a:schemeClr val="accent1"/>
+          </a:fillRef>
+          <a:effectRef idx="0">
+            <a:schemeClr val="accent1"/>
+          </a:effectRef>
+          <a:fontRef idx="minor">
+            <a:schemeClr val="tx1"/>
+          </a:fontRef>
+        </p:style>
+      </p:cxnSp>
+      <p:cxnSp>
+        <p:nvCxnSpPr>
+          <p:cNvPr id="54" name="Straight Arrow Connector 53"/>
+          <p:cNvCxnSpPr>
+            <a:stCxn id="49" idx="1"/>
+            <a:endCxn id="50" idx="3"/>
+          </p:cNvCxnSpPr>
+          <p:nvPr/>
+        </p:nvCxnSpPr>
+        <p:spPr>
+          <a:xfrm flipH="1">
+            <a:off x="7515238" y="4931969"/>
+            <a:ext cx="606049" cy="794726"/>
+          </a:xfrm>
+          <a:prstGeom prst="straightConnector1">
+            <a:avLst/>
+          </a:prstGeom>
+          <a:ln w="38100">
+            <a:solidFill>
+              <a:schemeClr val="tx1"/>
+            </a:solidFill>
+            <a:headEnd type="triangle" w="med" len="med"/>
+            <a:tailEnd type="triangle" w="med" len="med"/>
+          </a:ln>
+        </p:spPr>
+        <p:style>
+          <a:lnRef idx="1">
+            <a:schemeClr val="accent1"/>
+          </a:lnRef>
+          <a:fillRef idx="0">
+            <a:schemeClr val="accent1"/>
+          </a:fillRef>
+          <a:effectRef idx="0">
+            <a:schemeClr val="accent1"/>
+          </a:effectRef>
+          <a:fontRef idx="minor">
+            <a:schemeClr val="tx1"/>
+          </a:fontRef>
+        </p:style>
+      </p:cxnSp>
+      <p:cxnSp>
+        <p:nvCxnSpPr>
+          <p:cNvPr id="58" name="Straight Arrow Connector 57"/>
+          <p:cNvCxnSpPr>
+            <a:stCxn id="41" idx="1"/>
+            <a:endCxn id="50" idx="3"/>
+          </p:cNvCxnSpPr>
+          <p:nvPr/>
+        </p:nvCxnSpPr>
+        <p:spPr>
+          <a:xfrm flipH="1" flipV="1">
+            <a:off x="7515238" y="5726695"/>
+            <a:ext cx="586790" cy="207283"/>
+          </a:xfrm>
+          <a:prstGeom prst="straightConnector1">
+            <a:avLst/>
+          </a:prstGeom>
+          <a:ln w="38100">
+            <a:solidFill>
+              <a:schemeClr val="tx1"/>
+            </a:solidFill>
+            <a:tailEnd type="triangle"/>
+          </a:ln>
+        </p:spPr>
+        <p:style>
+          <a:lnRef idx="1">
+            <a:schemeClr val="accent1"/>
+          </a:lnRef>
+          <a:fillRef idx="0">
+            <a:schemeClr val="accent1"/>
+          </a:fillRef>
+          <a:effectRef idx="0">
+            <a:schemeClr val="accent1"/>
+          </a:effectRef>
+          <a:fontRef idx="minor">
+            <a:schemeClr val="tx1"/>
+          </a:fontRef>
+        </p:style>
+      </p:cxnSp>
+      <p:cxnSp>
+        <p:nvCxnSpPr>
+          <p:cNvPr id="84" name="Straight Arrow Connector 83"/>
+          <p:cNvCxnSpPr>
+            <a:stCxn id="76" idx="1"/>
+            <a:endCxn id="41" idx="3"/>
+          </p:cNvCxnSpPr>
+          <p:nvPr/>
+        </p:nvCxnSpPr>
+        <p:spPr>
+          <a:xfrm flipH="1">
+            <a:off x="9421843" y="5448803"/>
+            <a:ext cx="468485" cy="485175"/>
+          </a:xfrm>
+          <a:prstGeom prst="straightConnector1">
+            <a:avLst/>
+          </a:prstGeom>
+          <a:ln w="38100">
+            <a:solidFill>
+              <a:schemeClr val="tx1"/>
+            </a:solidFill>
+            <a:tailEnd type="triangle"/>
+          </a:ln>
+        </p:spPr>
+        <p:style>
+          <a:lnRef idx="1">
+            <a:schemeClr val="accent1"/>
+          </a:lnRef>
+          <a:fillRef idx="0">
+            <a:schemeClr val="accent1"/>
+          </a:fillRef>
+          <a:effectRef idx="0">
+            <a:schemeClr val="accent1"/>
+          </a:effectRef>
+          <a:fontRef idx="minor">
+            <a:schemeClr val="tx1"/>
+          </a:fontRef>
+        </p:style>
+      </p:cxnSp>
+      <p:cxnSp>
+        <p:nvCxnSpPr>
+          <p:cNvPr id="45" name="Straight Arrow Connector 44"/>
+          <p:cNvCxnSpPr/>
+          <p:nvPr/>
+        </p:nvCxnSpPr>
+        <p:spPr>
+          <a:xfrm flipV="1">
+            <a:off x="732667" y="1543199"/>
+            <a:ext cx="509972" cy="773347"/>
+          </a:xfrm>
+          <a:prstGeom prst="straightConnector1">
+            <a:avLst/>
+          </a:prstGeom>
+          <a:ln w="38100">
+            <a:solidFill>
+              <a:srgbClr val="FFFF00"/>
+            </a:solidFill>
+            <a:tailEnd type="triangle"/>
+          </a:ln>
+        </p:spPr>
+        <p:style>
+          <a:lnRef idx="1">
+            <a:schemeClr val="accent1"/>
+          </a:lnRef>
+          <a:fillRef idx="0">
+            <a:schemeClr val="accent1"/>
+          </a:fillRef>
+          <a:effectRef idx="0">
+            <a:schemeClr val="accent1"/>
+          </a:effectRef>
+          <a:fontRef idx="minor">
+            <a:schemeClr val="tx1"/>
+          </a:fontRef>
+        </p:style>
+      </p:cxnSp>
+      <p:cxnSp>
+        <p:nvCxnSpPr>
+          <p:cNvPr id="46" name="Straight Arrow Connector 45"/>
+          <p:cNvCxnSpPr>
+            <a:stCxn id="77" idx="1"/>
+          </p:cNvCxnSpPr>
+          <p:nvPr/>
+        </p:nvCxnSpPr>
+        <p:spPr>
+          <a:xfrm flipH="1" flipV="1">
+            <a:off x="776025" y="2443085"/>
+            <a:ext cx="302737" cy="1014531"/>
+          </a:xfrm>
+          <a:prstGeom prst="straightConnector1">
+            <a:avLst/>
+          </a:prstGeom>
+          <a:ln w="38100">
+            <a:solidFill>
+              <a:srgbClr val="FFFF00"/>
+            </a:solidFill>
+            <a:tailEnd type="triangle"/>
+          </a:ln>
+        </p:spPr>
+        <p:style>
+          <a:lnRef idx="1">
+            <a:schemeClr val="accent1"/>
+          </a:lnRef>
+          <a:fillRef idx="0">
+            <a:schemeClr val="accent1"/>
+          </a:fillRef>
+          <a:effectRef idx="0">
+            <a:schemeClr val="accent1"/>
+          </a:effectRef>
+          <a:fontRef idx="minor">
+            <a:schemeClr val="tx1"/>
+          </a:fontRef>
+        </p:style>
+      </p:cxnSp>
+    </p:spTree>
+    <p:extLst>
+      <p:ext uri="{BB962C8B-B14F-4D97-AF65-F5344CB8AC3E}">
+        <p14:creationId xmlns:p14="http://schemas.microsoft.com/office/powerpoint/2010/main" val="376986052"/>
+      </p:ext>
+    </p:extLst>
+  </p:cSld>
+  <p:clrMapOvr>
+    <a:masterClrMapping/>
+  </p:clrMapOvr>
+  <p:timing>
+    <p:tnLst>
+      <p:par>
+        <p:cTn id="1" dur="indefinite" restart="never" nodeType="tmRoot"/>
+      </p:par>
+    </p:tnLst>
+  </p:timing>
+</p:sld>
+</file>
+
+<file path=ppt/slides/slide14.xml><?xml version="1.0" encoding="utf-8"?>
+<p:sld xmlns:a="http://schemas.openxmlformats.org/drawingml/2006/main" xmlns:r="http://schemas.openxmlformats.org/officeDocument/2006/relationships" xmlns:p="http://schemas.openxmlformats.org/presentationml/2006/main">
+  <p:cSld>
+    <p:spTree>
+      <p:nvGrpSpPr>
+        <p:cNvPr id="1" name=""/>
+        <p:cNvGrpSpPr/>
+        <p:nvPr/>
+      </p:nvGrpSpPr>
+      <p:grpSpPr>
+        <a:xfrm>
+          <a:off x="0" y="0"/>
+          <a:ext cx="0" cy="0"/>
+          <a:chOff x="0" y="0"/>
+          <a:chExt cx="0" cy="0"/>
+        </a:xfrm>
+      </p:grpSpPr>
       <p:sp>
         <p:nvSpPr>
           <p:cNvPr id="3" name="Title 2"/>
@@ -5217,7 +7131,7 @@
 </p:sld>
 </file>
 
-<file path=ppt/slides/slide14.xml><?xml version="1.0" encoding="utf-8"?>
+<file path=ppt/slides/slide15.xml><?xml version="1.0" encoding="utf-8"?>
 <p:sld xmlns:a="http://schemas.openxmlformats.org/drawingml/2006/main" xmlns:r="http://schemas.openxmlformats.org/officeDocument/2006/relationships" xmlns:p="http://schemas.openxmlformats.org/presentationml/2006/main">
   <p:cSld>
     <p:spTree>

--- a/lectures/DJ-03-Model-Single.pptx
+++ b/lectures/DJ-03-Model-Single.pptx
@@ -10,7 +10,7 @@
   <p:sldIdLst>
     <p:sldId id="258" r:id="rId2"/>
     <p:sldId id="324" r:id="rId3"/>
-    <p:sldId id="305" r:id="rId4"/>
+    <p:sldId id="335" r:id="rId4"/>
     <p:sldId id="321" r:id="rId5"/>
     <p:sldId id="325" r:id="rId6"/>
     <p:sldId id="326" r:id="rId7"/>
@@ -875,7 +875,7 @@
     </p:spTree>
     <p:extLst>
       <p:ext uri="{BB962C8B-B14F-4D97-AF65-F5344CB8AC3E}">
-        <p14:creationId xmlns:p14="http://schemas.microsoft.com/office/powerpoint/2010/main" val="1884427641"/>
+        <p14:creationId xmlns:p14="http://schemas.microsoft.com/office/powerpoint/2010/main" val="919014411"/>
       </p:ext>
     </p:extLst>
   </p:cSld>
@@ -3836,10 +3836,10 @@
           <p:cNvPr id="10" name="Rectangle 9">
             <a:extLst>
               <a:ext uri="{FF2B5EF4-FFF2-40B4-BE49-F238E27FC236}">
-                <a16:creationId xmlns:a16="http://schemas.microsoft.com/office/drawing/2014/main" xmlns="" id="{E20EB187-900F-4AF5-813B-101456D9FD39}"/>
+                <a16:creationId xmlns="" xmlns:a16="http://schemas.microsoft.com/office/drawing/2014/main" id="{E20EB187-900F-4AF5-813B-101456D9FD39}"/>
               </a:ext>
               <a:ext uri="{C183D7F6-B498-43B3-948B-1728B52AA6E4}">
-                <adec:decorative xmlns:adec="http://schemas.microsoft.com/office/drawing/2017/decorative" xmlns="" val="1"/>
+                <adec:decorative xmlns="" xmlns:adec="http://schemas.microsoft.com/office/drawing/2017/decorative" val="1"/>
               </a:ext>
             </a:extLst>
           </p:cNvPr>
@@ -4013,10 +4013,10 @@
           <p:cNvPr id="12" name="Straight Connector 11">
             <a:extLst>
               <a:ext uri="{FF2B5EF4-FFF2-40B4-BE49-F238E27FC236}">
-                <a16:creationId xmlns:a16="http://schemas.microsoft.com/office/drawing/2014/main" xmlns="" id="{624D17C8-E9C2-48A4-AA36-D7048A6CCC41}"/>
+                <a16:creationId xmlns="" xmlns:a16="http://schemas.microsoft.com/office/drawing/2014/main" id="{624D17C8-E9C2-48A4-AA36-D7048A6CCC41}"/>
               </a:ext>
               <a:ext uri="{C183D7F6-B498-43B3-948B-1728B52AA6E4}">
-                <adec:decorative xmlns:adec="http://schemas.microsoft.com/office/drawing/2017/decorative" xmlns="" val="1"/>
+                <adec:decorative xmlns="" xmlns:adec="http://schemas.microsoft.com/office/drawing/2017/decorative" val="1"/>
               </a:ext>
             </a:extLst>
           </p:cNvPr>
@@ -4124,6 +4124,13 @@
   <p:clrMapOvr>
     <a:masterClrMapping/>
   </p:clrMapOvr>
+  <p:timing>
+    <p:tnLst>
+      <p:par>
+        <p:cTn id="1" dur="indefinite" restart="never" nodeType="tmRoot"/>
+      </p:par>
+    </p:tnLst>
+  </p:timing>
 </p:sld>
 </file>
 
@@ -8298,6 +8305,10 @@
           </p:nvPr>
         </p:nvSpPr>
         <p:spPr>
+          <a:xfrm>
+            <a:off x="6257924" y="365125"/>
+            <a:ext cx="5095875" cy="1325563"/>
+          </a:xfrm>
           <a:prstGeom prst="rect">
             <a:avLst/>
           </a:prstGeom>
@@ -8325,7 +8336,7 @@
               <a:buSzPct val="25000"/>
             </a:pPr>
             <a:r>
-              <a:rPr lang="en" sz="5733" dirty="0">
+              <a:rPr lang="en" sz="4000" dirty="0">
                 <a:solidFill>
                   <a:srgbClr val="FFD966"/>
                 </a:solidFill>
@@ -8347,8 +8358,8 @@
         </p:nvSpPr>
         <p:spPr>
           <a:xfrm>
-            <a:off x="8195624" y="2756127"/>
-            <a:ext cx="3516923" cy="1685076"/>
+            <a:off x="7415212" y="2367678"/>
+            <a:ext cx="4397347" cy="2618660"/>
           </a:xfrm>
           <a:prstGeom prst="rect">
             <a:avLst/>
@@ -8395,7 +8406,7 @@
               <a:t>Users</a:t>
             </a:r>
             <a:r>
-              <a:rPr lang="en" sz="2133" b="1" dirty="0">
+              <a:rPr lang="en" sz="2133" b="1" dirty="0" smtClean="0">
                 <a:solidFill>
                   <a:schemeClr val="lt1"/>
                 </a:solidFill>
@@ -8404,8 +8415,194 @@
                 <a:cs typeface="Courier New"/>
                 <a:sym typeface="Courier New"/>
               </a:rPr>
-              <a:t>( </a:t>
-            </a:r>
+              <a:t>(</a:t>
+            </a:r>
+            <a:endParaRPr lang="en-US" sz="2133" b="1" dirty="0" smtClean="0">
+              <a:solidFill>
+                <a:schemeClr val="lt1"/>
+              </a:solidFill>
+              <a:latin typeface="Courier New"/>
+              <a:ea typeface="Courier New"/>
+              <a:cs typeface="Courier New"/>
+              <a:sym typeface="Courier New"/>
+            </a:endParaRPr>
+          </a:p>
+          <a:p>
+            <a:pPr>
+              <a:buClr>
+                <a:srgbClr val="FF8000"/>
+              </a:buClr>
+              <a:buSzPct val="25000"/>
+            </a:pPr>
+            <a:r>
+              <a:rPr lang="en-US" sz="2133" b="1" dirty="0" smtClean="0">
+                <a:solidFill>
+                  <a:schemeClr val="lt1"/>
+                </a:solidFill>
+                <a:latin typeface="Courier New"/>
+                <a:ea typeface="Courier New"/>
+                <a:cs typeface="Courier New"/>
+                <a:sym typeface="Courier New"/>
+              </a:rPr>
+              <a:t>   id </a:t>
+            </a:r>
+            <a:r>
+              <a:rPr lang="en-US" sz="2133" b="1" dirty="0">
+                <a:solidFill>
+                  <a:schemeClr val="lt1"/>
+                </a:solidFill>
+                <a:latin typeface="Courier New"/>
+                <a:ea typeface="Courier New"/>
+                <a:cs typeface="Courier New"/>
+                <a:sym typeface="Courier New"/>
+              </a:rPr>
+              <a:t>integer </a:t>
+            </a:r>
+            <a:r>
+              <a:rPr lang="en-US" sz="2133" b="1" dirty="0">
+                <a:solidFill>
+                  <a:srgbClr val="FF8000"/>
+                </a:solidFill>
+                <a:latin typeface="Courier New"/>
+                <a:ea typeface="Courier New"/>
+                <a:cs typeface="Courier New"/>
+                <a:sym typeface="Courier New"/>
+              </a:rPr>
+              <a:t>NOT </a:t>
+            </a:r>
+            <a:r>
+              <a:rPr lang="en-US" sz="2133" b="1" dirty="0" smtClean="0">
+                <a:solidFill>
+                  <a:srgbClr val="FF8000"/>
+                </a:solidFill>
+                <a:latin typeface="Courier New"/>
+                <a:ea typeface="Courier New"/>
+                <a:cs typeface="Courier New"/>
+                <a:sym typeface="Courier New"/>
+              </a:rPr>
+              <a:t>NULL</a:t>
+            </a:r>
+          </a:p>
+          <a:p>
+            <a:pPr>
+              <a:buClr>
+                <a:srgbClr val="FF8000"/>
+              </a:buClr>
+              <a:buSzPct val="25000"/>
+            </a:pPr>
+            <a:r>
+              <a:rPr lang="en-US" sz="2133" b="1" dirty="0">
+                <a:solidFill>
+                  <a:srgbClr val="FF8000"/>
+                </a:solidFill>
+                <a:latin typeface="Courier New"/>
+                <a:ea typeface="Courier New"/>
+                <a:cs typeface="Courier New"/>
+                <a:sym typeface="Courier New"/>
+              </a:rPr>
+              <a:t> </a:t>
+            </a:r>
+            <a:r>
+              <a:rPr lang="en-US" sz="2133" b="1" dirty="0" smtClean="0">
+                <a:solidFill>
+                  <a:srgbClr val="FF8000"/>
+                </a:solidFill>
+                <a:latin typeface="Courier New"/>
+                <a:ea typeface="Courier New"/>
+                <a:cs typeface="Courier New"/>
+                <a:sym typeface="Courier New"/>
+              </a:rPr>
+              <a:t>    </a:t>
+            </a:r>
+            <a:r>
+              <a:rPr lang="en-US" sz="2133" b="1" dirty="0">
+                <a:solidFill>
+                  <a:srgbClr val="FF8000"/>
+                </a:solidFill>
+                <a:latin typeface="Courier New"/>
+                <a:ea typeface="Courier New"/>
+                <a:cs typeface="Courier New"/>
+                <a:sym typeface="Courier New"/>
+              </a:rPr>
+              <a:t>PRIMARY </a:t>
+            </a:r>
+            <a:r>
+              <a:rPr lang="en-US" sz="2133" b="1" dirty="0" smtClean="0">
+                <a:solidFill>
+                  <a:srgbClr val="FF8000"/>
+                </a:solidFill>
+                <a:latin typeface="Courier New"/>
+                <a:ea typeface="Courier New"/>
+                <a:cs typeface="Courier New"/>
+                <a:sym typeface="Courier New"/>
+              </a:rPr>
+              <a:t>KEY  </a:t>
+            </a:r>
+          </a:p>
+          <a:p>
+            <a:pPr>
+              <a:buClr>
+                <a:srgbClr val="FF8000"/>
+              </a:buClr>
+              <a:buSzPct val="25000"/>
+            </a:pPr>
+            <a:r>
+              <a:rPr lang="en-US" sz="2133" b="1" dirty="0">
+                <a:solidFill>
+                  <a:srgbClr val="FF8000"/>
+                </a:solidFill>
+                <a:latin typeface="Courier New"/>
+                <a:ea typeface="Courier New"/>
+                <a:cs typeface="Courier New"/>
+                <a:sym typeface="Courier New"/>
+              </a:rPr>
+              <a:t> </a:t>
+            </a:r>
+            <a:r>
+              <a:rPr lang="en-US" sz="2133" b="1" dirty="0" smtClean="0">
+                <a:solidFill>
+                  <a:srgbClr val="FF8000"/>
+                </a:solidFill>
+                <a:latin typeface="Courier New"/>
+                <a:ea typeface="Courier New"/>
+                <a:cs typeface="Courier New"/>
+                <a:sym typeface="Courier New"/>
+              </a:rPr>
+              <a:t>    AUTOINCREMENT</a:t>
+            </a:r>
+            <a:r>
+              <a:rPr lang="en-US" sz="2133" b="1" dirty="0">
+                <a:solidFill>
+                  <a:schemeClr val="lt1"/>
+                </a:solidFill>
+                <a:latin typeface="Courier New"/>
+                <a:ea typeface="Courier New"/>
+                <a:cs typeface="Courier New"/>
+                <a:sym typeface="Courier New"/>
+              </a:rPr>
+              <a:t>,</a:t>
+            </a:r>
+            <a:r>
+              <a:rPr lang="en" sz="2133" b="1" dirty="0" smtClean="0">
+                <a:solidFill>
+                  <a:schemeClr val="lt1"/>
+                </a:solidFill>
+                <a:latin typeface="Courier New"/>
+                <a:ea typeface="Courier New"/>
+                <a:cs typeface="Courier New"/>
+                <a:sym typeface="Courier New"/>
+              </a:rPr>
+              <a:t> </a:t>
+            </a:r>
+            <a:endParaRPr lang="en" sz="2133" b="1" dirty="0">
+              <a:solidFill>
+                <a:schemeClr val="lt1"/>
+              </a:solidFill>
+              <a:latin typeface="Courier New"/>
+              <a:ea typeface="Courier New"/>
+              <a:cs typeface="Courier New"/>
+              <a:sym typeface="Courier New"/>
+            </a:endParaRPr>
           </a:p>
           <a:p>
             <a:pPr>
@@ -8503,7 +8700,7 @@
               <a:buSzPct val="25000"/>
             </a:pPr>
             <a:r>
-              <a:rPr lang="en" sz="2133" b="1" dirty="0">
+              <a:rPr lang="en" sz="2133" b="1" dirty="0" smtClean="0">
                 <a:solidFill>
                   <a:srgbClr val="FFFFFF"/>
                 </a:solidFill>
@@ -8514,6 +8711,27 @@
               </a:rPr>
               <a:t>)</a:t>
             </a:r>
+            <a:r>
+              <a:rPr lang="en-US" sz="2133" b="1" dirty="0" smtClean="0">
+                <a:solidFill>
+                  <a:srgbClr val="FFFFFF"/>
+                </a:solidFill>
+                <a:latin typeface="Courier New"/>
+                <a:ea typeface="Courier New"/>
+                <a:cs typeface="Courier New"/>
+                <a:sym typeface="Courier New"/>
+              </a:rPr>
+              <a:t>;</a:t>
+            </a:r>
+            <a:endParaRPr lang="en" sz="2133" b="1" dirty="0">
+              <a:solidFill>
+                <a:srgbClr val="FFFFFF"/>
+              </a:solidFill>
+              <a:latin typeface="Courier New"/>
+              <a:ea typeface="Courier New"/>
+              <a:cs typeface="Courier New"/>
+              <a:sym typeface="Courier New"/>
+            </a:endParaRPr>
           </a:p>
           <a:p>
             <a:pPr>
@@ -8541,8 +8759,8 @@
         </p:nvSpPr>
         <p:spPr>
           <a:xfrm>
-            <a:off x="1285875" y="1690688"/>
-            <a:ext cx="5902578" cy="4801314"/>
+            <a:off x="421070" y="782509"/>
+            <a:ext cx="5836854" cy="5632311"/>
           </a:xfrm>
           <a:prstGeom prst="rect">
             <a:avLst/>
@@ -8558,504 +8776,777 @@
             <a:r>
               <a:rPr lang="en-US" b="1" dirty="0">
                 <a:solidFill>
-                  <a:srgbClr val="17B111"/>
-                </a:solidFill>
-                <a:latin typeface="Menlo-Bold" charset="0"/>
+                  <a:schemeClr val="tx2"/>
+                </a:solidFill>
+                <a:latin typeface="Courier" charset="0"/>
+                <a:ea typeface="Courier" charset="0"/>
+                <a:cs typeface="Courier" charset="0"/>
               </a:rPr>
               <a:t>$ </a:t>
             </a:r>
             <a:r>
               <a:rPr lang="en-US" dirty="0">
                 <a:solidFill>
-                  <a:srgbClr val="C9CEC4"/>
-                </a:solidFill>
-                <a:latin typeface="Menlo-Regular" charset="0"/>
+                  <a:schemeClr val="tx2"/>
+                </a:solidFill>
+                <a:latin typeface="Courier" charset="0"/>
+                <a:ea typeface="Courier" charset="0"/>
+                <a:cs typeface="Courier" charset="0"/>
               </a:rPr>
               <a:t>sqlite3 zip.sqlite3</a:t>
+            </a:r>
+          </a:p>
+          <a:p>
+            <a:r>
+              <a:rPr lang="it-IT" dirty="0" err="1">
+                <a:solidFill>
+                  <a:schemeClr val="tx2"/>
+                </a:solidFill>
+                <a:latin typeface="Courier" charset="0"/>
+                <a:ea typeface="Courier" charset="0"/>
+                <a:cs typeface="Courier" charset="0"/>
+              </a:rPr>
+              <a:t>SQLite</a:t>
+            </a:r>
+            <a:r>
+              <a:rPr lang="it-IT" dirty="0">
+                <a:solidFill>
+                  <a:schemeClr val="tx2"/>
+                </a:solidFill>
+                <a:latin typeface="Courier" charset="0"/>
+                <a:ea typeface="Courier" charset="0"/>
+                <a:cs typeface="Courier" charset="0"/>
+              </a:rPr>
+              <a:t> </a:t>
+            </a:r>
+            <a:r>
+              <a:rPr lang="it-IT" dirty="0" err="1">
+                <a:solidFill>
+                  <a:schemeClr val="tx2"/>
+                </a:solidFill>
+                <a:latin typeface="Courier" charset="0"/>
+                <a:ea typeface="Courier" charset="0"/>
+                <a:cs typeface="Courier" charset="0"/>
+              </a:rPr>
+              <a:t>version</a:t>
+            </a:r>
+            <a:r>
+              <a:rPr lang="it-IT" dirty="0">
+                <a:solidFill>
+                  <a:schemeClr val="tx2"/>
+                </a:solidFill>
+                <a:latin typeface="Courier" charset="0"/>
+                <a:ea typeface="Courier" charset="0"/>
+                <a:cs typeface="Courier" charset="0"/>
+              </a:rPr>
+              <a:t> 3.11.0 2016-02-15 17:29:24</a:t>
+            </a:r>
+          </a:p>
+          <a:p>
+            <a:r>
+              <a:rPr lang="it-IT" dirty="0" err="1">
+                <a:solidFill>
+                  <a:schemeClr val="tx2"/>
+                </a:solidFill>
+                <a:latin typeface="Courier" charset="0"/>
+                <a:ea typeface="Courier" charset="0"/>
+                <a:cs typeface="Courier" charset="0"/>
+              </a:rPr>
+              <a:t>Enter</a:t>
+            </a:r>
+            <a:r>
+              <a:rPr lang="it-IT" dirty="0">
+                <a:solidFill>
+                  <a:schemeClr val="tx2"/>
+                </a:solidFill>
+                <a:latin typeface="Courier" charset="0"/>
+                <a:ea typeface="Courier" charset="0"/>
+                <a:cs typeface="Courier" charset="0"/>
+              </a:rPr>
+              <a:t> ".help" for </a:t>
+            </a:r>
+            <a:r>
+              <a:rPr lang="it-IT" dirty="0" err="1">
+                <a:solidFill>
+                  <a:schemeClr val="tx2"/>
+                </a:solidFill>
+                <a:latin typeface="Courier" charset="0"/>
+                <a:ea typeface="Courier" charset="0"/>
+                <a:cs typeface="Courier" charset="0"/>
+              </a:rPr>
+              <a:t>usage</a:t>
+            </a:r>
+            <a:r>
+              <a:rPr lang="it-IT" dirty="0">
+                <a:solidFill>
+                  <a:schemeClr val="tx2"/>
+                </a:solidFill>
+                <a:latin typeface="Courier" charset="0"/>
+                <a:ea typeface="Courier" charset="0"/>
+                <a:cs typeface="Courier" charset="0"/>
+              </a:rPr>
+              <a:t> </a:t>
+            </a:r>
+            <a:r>
+              <a:rPr lang="it-IT" dirty="0" err="1">
+                <a:solidFill>
+                  <a:schemeClr val="tx2"/>
+                </a:solidFill>
+                <a:latin typeface="Courier" charset="0"/>
+                <a:ea typeface="Courier" charset="0"/>
+                <a:cs typeface="Courier" charset="0"/>
+              </a:rPr>
+              <a:t>hints</a:t>
+            </a:r>
+            <a:r>
+              <a:rPr lang="it-IT" dirty="0">
+                <a:solidFill>
+                  <a:schemeClr val="tx2"/>
+                </a:solidFill>
+                <a:latin typeface="Courier" charset="0"/>
+                <a:ea typeface="Courier" charset="0"/>
+                <a:cs typeface="Courier" charset="0"/>
+              </a:rPr>
+              <a:t>.</a:t>
+            </a:r>
+          </a:p>
+          <a:p>
+            <a:r>
+              <a:rPr lang="it-IT" dirty="0" err="1">
+                <a:solidFill>
+                  <a:schemeClr val="tx2"/>
+                </a:solidFill>
+                <a:latin typeface="Courier" charset="0"/>
+                <a:ea typeface="Courier" charset="0"/>
+                <a:cs typeface="Courier" charset="0"/>
+              </a:rPr>
+              <a:t>sqlite</a:t>
+            </a:r>
+            <a:r>
+              <a:rPr lang="it-IT" dirty="0">
+                <a:solidFill>
+                  <a:schemeClr val="tx2"/>
+                </a:solidFill>
+                <a:latin typeface="Courier" charset="0"/>
+                <a:ea typeface="Courier" charset="0"/>
+                <a:cs typeface="Courier" charset="0"/>
+              </a:rPr>
+              <a:t>&gt; .</a:t>
+            </a:r>
+            <a:r>
+              <a:rPr lang="it-IT" dirty="0" err="1">
+                <a:solidFill>
+                  <a:schemeClr val="tx2"/>
+                </a:solidFill>
+                <a:latin typeface="Courier" charset="0"/>
+                <a:ea typeface="Courier" charset="0"/>
+                <a:cs typeface="Courier" charset="0"/>
+              </a:rPr>
+              <a:t>tables</a:t>
+            </a:r>
+            <a:endParaRPr lang="it-IT" dirty="0">
+              <a:solidFill>
+                <a:schemeClr val="tx2"/>
+              </a:solidFill>
+              <a:latin typeface="Courier" charset="0"/>
+              <a:ea typeface="Courier" charset="0"/>
+              <a:cs typeface="Courier" charset="0"/>
+            </a:endParaRPr>
+          </a:p>
+          <a:p>
+            <a:r>
+              <a:rPr lang="it-IT" dirty="0" err="1">
+                <a:solidFill>
+                  <a:schemeClr val="tx2"/>
+                </a:solidFill>
+                <a:latin typeface="Courier" charset="0"/>
+                <a:ea typeface="Courier" charset="0"/>
+                <a:cs typeface="Courier" charset="0"/>
+              </a:rPr>
+              <a:t>sqlite</a:t>
+            </a:r>
+            <a:r>
+              <a:rPr lang="it-IT" dirty="0">
+                <a:solidFill>
+                  <a:schemeClr val="tx2"/>
+                </a:solidFill>
+                <a:latin typeface="Courier" charset="0"/>
+                <a:ea typeface="Courier" charset="0"/>
+                <a:cs typeface="Courier" charset="0"/>
+              </a:rPr>
+              <a:t>&gt; CREATE TABLE </a:t>
+            </a:r>
+            <a:r>
+              <a:rPr lang="it-IT" dirty="0" err="1">
+                <a:solidFill>
+                  <a:schemeClr val="tx2"/>
+                </a:solidFill>
+                <a:latin typeface="Courier" charset="0"/>
+                <a:ea typeface="Courier" charset="0"/>
+                <a:cs typeface="Courier" charset="0"/>
+              </a:rPr>
+              <a:t>Users</a:t>
+            </a:r>
+            <a:r>
+              <a:rPr lang="it-IT" dirty="0">
+                <a:solidFill>
+                  <a:schemeClr val="tx2"/>
+                </a:solidFill>
+                <a:latin typeface="Courier" charset="0"/>
+                <a:ea typeface="Courier" charset="0"/>
+                <a:cs typeface="Courier" charset="0"/>
+              </a:rPr>
+              <a:t>( </a:t>
+            </a:r>
+            <a:endParaRPr lang="it-IT" dirty="0" smtClean="0">
+              <a:solidFill>
+                <a:schemeClr val="tx2"/>
+              </a:solidFill>
+              <a:latin typeface="Courier" charset="0"/>
+              <a:ea typeface="Courier" charset="0"/>
+              <a:cs typeface="Courier" charset="0"/>
+            </a:endParaRPr>
+          </a:p>
+          <a:p>
+            <a:r>
+              <a:rPr lang="mr-IN" dirty="0">
+                <a:solidFill>
+                  <a:schemeClr val="tx2"/>
+                </a:solidFill>
+                <a:latin typeface="Courier" charset="0"/>
+                <a:ea typeface="Courier" charset="0"/>
+                <a:cs typeface="Courier" charset="0"/>
+              </a:rPr>
+              <a:t> </a:t>
+            </a:r>
+            <a:r>
+              <a:rPr lang="en-US" dirty="0" smtClean="0">
+                <a:solidFill>
+                  <a:schemeClr val="tx2"/>
+                </a:solidFill>
+                <a:latin typeface="Courier" charset="0"/>
+                <a:ea typeface="Courier" charset="0"/>
+                <a:cs typeface="Courier" charset="0"/>
+              </a:rPr>
+              <a:t>  </a:t>
+            </a:r>
+            <a:r>
+              <a:rPr lang="mr-IN" dirty="0" smtClean="0">
+                <a:solidFill>
+                  <a:schemeClr val="tx2"/>
+                </a:solidFill>
+                <a:latin typeface="Courier" charset="0"/>
+                <a:ea typeface="Courier" charset="0"/>
+                <a:cs typeface="Courier" charset="0"/>
+              </a:rPr>
+              <a:t>...&gt; </a:t>
+            </a:r>
+            <a:r>
+              <a:rPr lang="it-IT" dirty="0">
+                <a:solidFill>
+                  <a:schemeClr val="tx2"/>
+                </a:solidFill>
+                <a:latin typeface="Courier" charset="0"/>
+                <a:ea typeface="Courier" charset="0"/>
+                <a:cs typeface="Courier" charset="0"/>
+              </a:rPr>
+              <a:t> </a:t>
+            </a:r>
+            <a:r>
+              <a:rPr lang="it-IT" dirty="0" smtClean="0">
+                <a:solidFill>
+                  <a:schemeClr val="tx2"/>
+                </a:solidFill>
+                <a:latin typeface="Courier" charset="0"/>
+                <a:ea typeface="Courier" charset="0"/>
+                <a:cs typeface="Courier" charset="0"/>
+              </a:rPr>
+              <a:t> id INTEGER NOT </a:t>
+            </a:r>
+            <a:r>
+              <a:rPr lang="it-IT" dirty="0">
+                <a:solidFill>
+                  <a:schemeClr val="tx2"/>
+                </a:solidFill>
+                <a:latin typeface="Courier" charset="0"/>
+                <a:ea typeface="Courier" charset="0"/>
+                <a:cs typeface="Courier" charset="0"/>
+              </a:rPr>
+              <a:t>NULL </a:t>
+            </a:r>
+            <a:endParaRPr lang="it-IT" dirty="0" smtClean="0">
+              <a:solidFill>
+                <a:schemeClr val="tx2"/>
+              </a:solidFill>
+              <a:latin typeface="Courier" charset="0"/>
+              <a:ea typeface="Courier" charset="0"/>
+              <a:cs typeface="Courier" charset="0"/>
+            </a:endParaRPr>
+          </a:p>
+          <a:p>
+            <a:r>
+              <a:rPr lang="it-IT" dirty="0">
+                <a:solidFill>
+                  <a:schemeClr val="tx2"/>
+                </a:solidFill>
+                <a:latin typeface="Courier" charset="0"/>
+                <a:ea typeface="Courier" charset="0"/>
+                <a:cs typeface="Courier" charset="0"/>
+              </a:rPr>
+              <a:t> </a:t>
+            </a:r>
+            <a:r>
+              <a:rPr lang="it-IT" dirty="0" smtClean="0">
+                <a:solidFill>
+                  <a:schemeClr val="tx2"/>
+                </a:solidFill>
+                <a:latin typeface="Courier" charset="0"/>
+                <a:ea typeface="Courier" charset="0"/>
+                <a:cs typeface="Courier" charset="0"/>
+              </a:rPr>
+              <a:t>  ...</a:t>
+            </a:r>
+            <a:r>
+              <a:rPr lang="en-US" dirty="0" smtClean="0">
+                <a:solidFill>
+                  <a:schemeClr val="tx2"/>
+                </a:solidFill>
+                <a:latin typeface="Courier" charset="0"/>
+                <a:ea typeface="Courier" charset="0"/>
+                <a:cs typeface="Courier" charset="0"/>
+              </a:rPr>
+              <a:t>&gt;       </a:t>
+            </a:r>
+            <a:r>
+              <a:rPr lang="it-IT" dirty="0" smtClean="0">
+                <a:solidFill>
+                  <a:schemeClr val="tx2"/>
+                </a:solidFill>
+                <a:latin typeface="Courier" charset="0"/>
+                <a:ea typeface="Courier" charset="0"/>
+                <a:cs typeface="Courier" charset="0"/>
+              </a:rPr>
+              <a:t>PRIMARY </a:t>
+            </a:r>
+            <a:r>
+              <a:rPr lang="it-IT" dirty="0">
+                <a:solidFill>
+                  <a:schemeClr val="tx2"/>
+                </a:solidFill>
+                <a:latin typeface="Courier" charset="0"/>
+                <a:ea typeface="Courier" charset="0"/>
+                <a:cs typeface="Courier" charset="0"/>
+              </a:rPr>
+              <a:t>KEY </a:t>
+            </a:r>
+            <a:r>
+              <a:rPr lang="it-IT" dirty="0" smtClean="0">
+                <a:solidFill>
+                  <a:schemeClr val="tx2"/>
+                </a:solidFill>
+                <a:latin typeface="Courier" charset="0"/>
+                <a:ea typeface="Courier" charset="0"/>
+                <a:cs typeface="Courier" charset="0"/>
+              </a:rPr>
+              <a:t>AUTOINCREMENT</a:t>
+            </a:r>
+            <a:r>
+              <a:rPr lang="it-IT" dirty="0">
+                <a:solidFill>
+                  <a:schemeClr val="tx2"/>
+                </a:solidFill>
+                <a:latin typeface="Courier" charset="0"/>
+                <a:ea typeface="Courier" charset="0"/>
+                <a:cs typeface="Courier" charset="0"/>
+              </a:rPr>
+              <a:t>,</a:t>
+            </a:r>
+          </a:p>
+          <a:p>
+            <a:r>
+              <a:rPr lang="mr-IN" dirty="0">
+                <a:solidFill>
+                  <a:schemeClr val="tx2"/>
+                </a:solidFill>
+                <a:latin typeface="Courier" charset="0"/>
+                <a:ea typeface="Courier" charset="0"/>
+                <a:cs typeface="Courier" charset="0"/>
+              </a:rPr>
+              <a:t>   ...&gt;   </a:t>
+            </a:r>
+            <a:r>
+              <a:rPr lang="mr-IN" dirty="0" err="1">
+                <a:solidFill>
+                  <a:schemeClr val="tx2"/>
+                </a:solidFill>
+                <a:latin typeface="Courier" charset="0"/>
+                <a:ea typeface="Courier" charset="0"/>
+                <a:cs typeface="Courier" charset="0"/>
+              </a:rPr>
+              <a:t>name</a:t>
+            </a:r>
+            <a:r>
+              <a:rPr lang="mr-IN" dirty="0">
+                <a:solidFill>
+                  <a:schemeClr val="tx2"/>
+                </a:solidFill>
+                <a:latin typeface="Courier" charset="0"/>
+                <a:ea typeface="Courier" charset="0"/>
+                <a:cs typeface="Courier" charset="0"/>
+              </a:rPr>
+              <a:t> VARCHAR(128), </a:t>
+            </a:r>
+          </a:p>
+          <a:p>
+            <a:r>
+              <a:rPr lang="mr-IN" dirty="0">
+                <a:solidFill>
+                  <a:schemeClr val="tx2"/>
+                </a:solidFill>
+                <a:latin typeface="Courier" charset="0"/>
+                <a:ea typeface="Courier" charset="0"/>
+                <a:cs typeface="Courier" charset="0"/>
+              </a:rPr>
+              <a:t>   ...&gt;   </a:t>
+            </a:r>
+            <a:r>
+              <a:rPr lang="mr-IN" dirty="0" err="1">
+                <a:solidFill>
+                  <a:schemeClr val="tx2"/>
+                </a:solidFill>
+                <a:latin typeface="Courier" charset="0"/>
+                <a:ea typeface="Courier" charset="0"/>
+                <a:cs typeface="Courier" charset="0"/>
+              </a:rPr>
+              <a:t>email</a:t>
+            </a:r>
+            <a:r>
+              <a:rPr lang="mr-IN" dirty="0">
+                <a:solidFill>
+                  <a:schemeClr val="tx2"/>
+                </a:solidFill>
+                <a:latin typeface="Courier" charset="0"/>
+                <a:ea typeface="Courier" charset="0"/>
+                <a:cs typeface="Courier" charset="0"/>
+              </a:rPr>
+              <a:t> VARCHAR(128)</a:t>
+            </a:r>
+          </a:p>
+          <a:p>
+            <a:r>
+              <a:rPr lang="mr-IN" dirty="0">
+                <a:solidFill>
+                  <a:schemeClr val="tx2"/>
+                </a:solidFill>
+                <a:latin typeface="Courier" charset="0"/>
+                <a:ea typeface="Courier" charset="0"/>
+                <a:cs typeface="Courier" charset="0"/>
+              </a:rPr>
+              <a:t>   ...&gt; </a:t>
+            </a:r>
+            <a:r>
+              <a:rPr lang="mr-IN" dirty="0" smtClean="0">
+                <a:solidFill>
+                  <a:schemeClr val="tx2"/>
+                </a:solidFill>
+                <a:latin typeface="Courier" charset="0"/>
+                <a:ea typeface="Courier" charset="0"/>
+                <a:cs typeface="Courier" charset="0"/>
+              </a:rPr>
+              <a:t>)</a:t>
+            </a:r>
+            <a:r>
+              <a:rPr lang="en-US" dirty="0" smtClean="0">
+                <a:solidFill>
+                  <a:schemeClr val="tx2"/>
+                </a:solidFill>
+                <a:latin typeface="Courier" charset="0"/>
+                <a:ea typeface="Courier" charset="0"/>
+                <a:cs typeface="Courier" charset="0"/>
+              </a:rPr>
+              <a:t> ;</a:t>
+            </a:r>
+            <a:endParaRPr lang="mr-IN" dirty="0">
+              <a:solidFill>
+                <a:schemeClr val="tx2"/>
+              </a:solidFill>
+              <a:latin typeface="Courier" charset="0"/>
+              <a:ea typeface="Courier" charset="0"/>
+              <a:cs typeface="Courier" charset="0"/>
+            </a:endParaRPr>
+          </a:p>
+          <a:p>
+            <a:r>
+              <a:rPr lang="en-US" dirty="0" err="1" smtClean="0">
+                <a:solidFill>
+                  <a:schemeClr val="tx2"/>
+                </a:solidFill>
+                <a:latin typeface="Courier" charset="0"/>
+                <a:ea typeface="Courier" charset="0"/>
+                <a:cs typeface="Courier" charset="0"/>
+              </a:rPr>
+              <a:t>sqlite</a:t>
+            </a:r>
+            <a:r>
+              <a:rPr lang="en-US" dirty="0">
+                <a:solidFill>
+                  <a:schemeClr val="tx2"/>
+                </a:solidFill>
+                <a:latin typeface="Courier" charset="0"/>
+                <a:ea typeface="Courier" charset="0"/>
+                <a:cs typeface="Courier" charset="0"/>
+              </a:rPr>
+              <a:t>&gt; .tables</a:t>
+            </a:r>
+          </a:p>
+          <a:p>
+            <a:r>
+              <a:rPr lang="en-US" dirty="0">
+                <a:solidFill>
+                  <a:schemeClr val="tx2"/>
+                </a:solidFill>
+                <a:latin typeface="Courier" charset="0"/>
+                <a:ea typeface="Courier" charset="0"/>
+                <a:cs typeface="Courier" charset="0"/>
+              </a:rPr>
+              <a:t>Users</a:t>
+            </a:r>
+          </a:p>
+          <a:p>
+            <a:r>
+              <a:rPr lang="en-US" dirty="0" err="1">
+                <a:solidFill>
+                  <a:schemeClr val="tx2"/>
+                </a:solidFill>
+                <a:latin typeface="Courier" charset="0"/>
+                <a:ea typeface="Courier" charset="0"/>
+                <a:cs typeface="Courier" charset="0"/>
+              </a:rPr>
+              <a:t>sqlite</a:t>
+            </a:r>
+            <a:r>
+              <a:rPr lang="en-US" dirty="0">
+                <a:solidFill>
+                  <a:schemeClr val="tx2"/>
+                </a:solidFill>
+                <a:latin typeface="Courier" charset="0"/>
+                <a:ea typeface="Courier" charset="0"/>
+                <a:cs typeface="Courier" charset="0"/>
+              </a:rPr>
+              <a:t>&gt; .schema Users</a:t>
+            </a:r>
+          </a:p>
+          <a:p>
+            <a:r>
+              <a:rPr lang="en-US" dirty="0">
+                <a:solidFill>
+                  <a:schemeClr val="tx2"/>
+                </a:solidFill>
+                <a:latin typeface="Courier" charset="0"/>
+                <a:ea typeface="Courier" charset="0"/>
+                <a:cs typeface="Courier" charset="0"/>
+              </a:rPr>
+              <a:t>CREATE TABLE Users</a:t>
+            </a:r>
+            <a:r>
+              <a:rPr lang="en-US" dirty="0" smtClean="0">
+                <a:solidFill>
+                  <a:schemeClr val="tx2"/>
+                </a:solidFill>
+                <a:latin typeface="Courier" charset="0"/>
+                <a:ea typeface="Courier" charset="0"/>
+                <a:cs typeface="Courier" charset="0"/>
+              </a:rPr>
+              <a:t>(</a:t>
+            </a:r>
+          </a:p>
+          <a:p>
+            <a:r>
+              <a:rPr lang="it-IT" dirty="0" smtClean="0">
+                <a:solidFill>
+                  <a:schemeClr val="tx2"/>
+                </a:solidFill>
+                <a:latin typeface="Courier" charset="0"/>
+                <a:ea typeface="Courier" charset="0"/>
+                <a:cs typeface="Courier" charset="0"/>
+              </a:rPr>
+              <a:t>  id </a:t>
+            </a:r>
+            <a:r>
+              <a:rPr lang="it-IT" dirty="0">
+                <a:solidFill>
+                  <a:schemeClr val="tx2"/>
+                </a:solidFill>
+                <a:latin typeface="Courier" charset="0"/>
+                <a:ea typeface="Courier" charset="0"/>
+                <a:cs typeface="Courier" charset="0"/>
+              </a:rPr>
+              <a:t>INTEGER NOT NULL </a:t>
+            </a:r>
+          </a:p>
+          <a:p>
+            <a:r>
+              <a:rPr lang="it-IT" dirty="0" smtClean="0">
+                <a:solidFill>
+                  <a:schemeClr val="tx2"/>
+                </a:solidFill>
+                <a:latin typeface="Courier" charset="0"/>
+                <a:ea typeface="Courier" charset="0"/>
+                <a:cs typeface="Courier" charset="0"/>
+              </a:rPr>
+              <a:t>      PRIMARY </a:t>
+            </a:r>
+            <a:r>
+              <a:rPr lang="it-IT" dirty="0">
+                <a:solidFill>
+                  <a:schemeClr val="tx2"/>
+                </a:solidFill>
+                <a:latin typeface="Courier" charset="0"/>
+                <a:ea typeface="Courier" charset="0"/>
+                <a:cs typeface="Courier" charset="0"/>
+              </a:rPr>
+              <a:t>KEY AUTOINCREMENT</a:t>
+            </a:r>
+            <a:r>
+              <a:rPr lang="it-IT" dirty="0" smtClean="0">
+                <a:solidFill>
+                  <a:schemeClr val="tx2"/>
+                </a:solidFill>
+                <a:latin typeface="Courier" charset="0"/>
+                <a:ea typeface="Courier" charset="0"/>
+                <a:cs typeface="Courier" charset="0"/>
+              </a:rPr>
+              <a:t>,</a:t>
             </a:r>
             <a:endParaRPr lang="en-US" dirty="0">
               <a:solidFill>
-                <a:srgbClr val="ECECEC"/>
+                <a:schemeClr val="tx2"/>
               </a:solidFill>
-              <a:latin typeface="Menlo-Regular" charset="0"/>
+              <a:latin typeface="Courier" charset="0"/>
+              <a:ea typeface="Courier" charset="0"/>
+              <a:cs typeface="Courier" charset="0"/>
             </a:endParaRPr>
           </a:p>
           <a:p>
             <a:r>
-              <a:rPr lang="it-IT" dirty="0" err="1">
-                <a:solidFill>
-                  <a:srgbClr val="C9CEC4"/>
-                </a:solidFill>
-                <a:latin typeface="Menlo-Regular" charset="0"/>
-              </a:rPr>
-              <a:t>SQLite</a:t>
-            </a:r>
-            <a:r>
-              <a:rPr lang="it-IT" dirty="0">
-                <a:solidFill>
-                  <a:srgbClr val="C9CEC4"/>
-                </a:solidFill>
-                <a:latin typeface="Menlo-Regular" charset="0"/>
-              </a:rPr>
-              <a:t> </a:t>
-            </a:r>
-            <a:r>
-              <a:rPr lang="it-IT" dirty="0" err="1">
-                <a:solidFill>
-                  <a:srgbClr val="C9CEC4"/>
-                </a:solidFill>
-                <a:latin typeface="Menlo-Regular" charset="0"/>
-              </a:rPr>
-              <a:t>version</a:t>
-            </a:r>
-            <a:r>
-              <a:rPr lang="it-IT" dirty="0">
-                <a:solidFill>
-                  <a:srgbClr val="C9CEC4"/>
-                </a:solidFill>
-                <a:latin typeface="Menlo-Regular" charset="0"/>
-              </a:rPr>
-              <a:t> 3.11.0 2016-02-15 17:29:24</a:t>
-            </a:r>
-            <a:endParaRPr lang="it-IT" dirty="0">
-              <a:solidFill>
-                <a:srgbClr val="ECECEC"/>
-              </a:solidFill>
-              <a:latin typeface="Menlo-Regular" charset="0"/>
-            </a:endParaRPr>
-          </a:p>
-          <a:p>
-            <a:r>
-              <a:rPr lang="it-IT" dirty="0" err="1">
-                <a:solidFill>
-                  <a:srgbClr val="C9CEC4"/>
-                </a:solidFill>
-                <a:latin typeface="Menlo-Regular" charset="0"/>
-              </a:rPr>
-              <a:t>Enter</a:t>
-            </a:r>
-            <a:r>
-              <a:rPr lang="it-IT" dirty="0">
-                <a:solidFill>
-                  <a:srgbClr val="C9CEC4"/>
-                </a:solidFill>
-                <a:latin typeface="Menlo-Regular" charset="0"/>
-              </a:rPr>
-              <a:t> ".help" for </a:t>
-            </a:r>
-            <a:r>
-              <a:rPr lang="it-IT" dirty="0" err="1">
-                <a:solidFill>
-                  <a:srgbClr val="C9CEC4"/>
-                </a:solidFill>
-                <a:latin typeface="Menlo-Regular" charset="0"/>
-              </a:rPr>
-              <a:t>usage</a:t>
-            </a:r>
-            <a:r>
-              <a:rPr lang="it-IT" dirty="0">
-                <a:solidFill>
-                  <a:srgbClr val="C9CEC4"/>
-                </a:solidFill>
-                <a:latin typeface="Menlo-Regular" charset="0"/>
-              </a:rPr>
-              <a:t> </a:t>
-            </a:r>
-            <a:r>
-              <a:rPr lang="it-IT" dirty="0" err="1">
-                <a:solidFill>
-                  <a:srgbClr val="C9CEC4"/>
-                </a:solidFill>
-                <a:latin typeface="Menlo-Regular" charset="0"/>
-              </a:rPr>
-              <a:t>hints</a:t>
-            </a:r>
-            <a:r>
-              <a:rPr lang="it-IT" dirty="0">
-                <a:solidFill>
-                  <a:srgbClr val="C9CEC4"/>
-                </a:solidFill>
-                <a:latin typeface="Menlo-Regular" charset="0"/>
-              </a:rPr>
-              <a:t>.</a:t>
-            </a:r>
-            <a:endParaRPr lang="it-IT" dirty="0">
-              <a:solidFill>
-                <a:srgbClr val="ECECEC"/>
-              </a:solidFill>
-              <a:latin typeface="Menlo-Regular" charset="0"/>
-            </a:endParaRPr>
-          </a:p>
-          <a:p>
-            <a:r>
-              <a:rPr lang="it-IT" dirty="0" err="1">
-                <a:solidFill>
-                  <a:srgbClr val="C9CEC4"/>
-                </a:solidFill>
-                <a:latin typeface="Menlo-Regular" charset="0"/>
+              <a:rPr lang="mr-IN" dirty="0">
+                <a:solidFill>
+                  <a:schemeClr val="tx2"/>
+                </a:solidFill>
+                <a:latin typeface="Courier" charset="0"/>
+                <a:ea typeface="Courier" charset="0"/>
+                <a:cs typeface="Courier" charset="0"/>
+              </a:rPr>
+              <a:t>  </a:t>
+            </a:r>
+            <a:r>
+              <a:rPr lang="mr-IN" dirty="0" err="1">
+                <a:solidFill>
+                  <a:schemeClr val="tx2"/>
+                </a:solidFill>
+                <a:latin typeface="Courier" charset="0"/>
+                <a:ea typeface="Courier" charset="0"/>
+                <a:cs typeface="Courier" charset="0"/>
+              </a:rPr>
+              <a:t>name</a:t>
+            </a:r>
+            <a:r>
+              <a:rPr lang="mr-IN" dirty="0">
+                <a:solidFill>
+                  <a:schemeClr val="tx2"/>
+                </a:solidFill>
+                <a:latin typeface="Courier" charset="0"/>
+                <a:ea typeface="Courier" charset="0"/>
+                <a:cs typeface="Courier" charset="0"/>
+              </a:rPr>
+              <a:t> VARCHAR(128), </a:t>
+            </a:r>
+          </a:p>
+          <a:p>
+            <a:r>
+              <a:rPr lang="en-US" dirty="0">
+                <a:solidFill>
+                  <a:schemeClr val="tx2"/>
+                </a:solidFill>
+                <a:latin typeface="Courier" charset="0"/>
+                <a:ea typeface="Courier" charset="0"/>
+                <a:cs typeface="Courier" charset="0"/>
+              </a:rPr>
+              <a:t>  email VARCHAR(128)</a:t>
+            </a:r>
+          </a:p>
+          <a:p>
+            <a:r>
+              <a:rPr lang="mr-IN" dirty="0">
+                <a:solidFill>
+                  <a:schemeClr val="tx2"/>
+                </a:solidFill>
+                <a:latin typeface="Courier" charset="0"/>
+                <a:ea typeface="Courier" charset="0"/>
+                <a:cs typeface="Courier" charset="0"/>
+              </a:rPr>
+              <a:t>);</a:t>
+            </a:r>
+          </a:p>
+          <a:p>
+            <a:r>
+              <a:rPr lang="en-US" dirty="0" err="1">
+                <a:solidFill>
+                  <a:schemeClr val="tx2"/>
+                </a:solidFill>
+                <a:latin typeface="Courier" charset="0"/>
+                <a:ea typeface="Courier" charset="0"/>
+                <a:cs typeface="Courier" charset="0"/>
               </a:rPr>
               <a:t>sqlite</a:t>
             </a:r>
             <a:r>
-              <a:rPr lang="it-IT" dirty="0">
-                <a:solidFill>
-                  <a:srgbClr val="C9CEC4"/>
-                </a:solidFill>
-                <a:latin typeface="Menlo-Regular" charset="0"/>
-              </a:rPr>
-              <a:t>&gt; .</a:t>
-            </a:r>
-            <a:r>
-              <a:rPr lang="it-IT" dirty="0" err="1">
-                <a:solidFill>
-                  <a:srgbClr val="C9CEC4"/>
-                </a:solidFill>
-                <a:latin typeface="Menlo-Regular" charset="0"/>
-              </a:rPr>
-              <a:t>tables</a:t>
-            </a:r>
-            <a:endParaRPr lang="it-IT" dirty="0">
-              <a:solidFill>
-                <a:srgbClr val="ECECEC"/>
-              </a:solidFill>
-              <a:latin typeface="Menlo-Regular" charset="0"/>
-            </a:endParaRPr>
-          </a:p>
-          <a:p>
-            <a:r>
-              <a:rPr lang="it-IT" dirty="0" err="1">
-                <a:solidFill>
-                  <a:srgbClr val="C9CEC4"/>
-                </a:solidFill>
-                <a:latin typeface="Menlo-Regular" charset="0"/>
-              </a:rPr>
-              <a:t>sqlite</a:t>
-            </a:r>
-            <a:r>
-              <a:rPr lang="it-IT" dirty="0">
-                <a:solidFill>
-                  <a:srgbClr val="C9CEC4"/>
-                </a:solidFill>
-                <a:latin typeface="Menlo-Regular" charset="0"/>
-              </a:rPr>
-              <a:t>&gt; CREATE TABLE </a:t>
-            </a:r>
-            <a:r>
-              <a:rPr lang="it-IT" dirty="0" err="1">
-                <a:solidFill>
-                  <a:srgbClr val="C9CEC4"/>
-                </a:solidFill>
-                <a:latin typeface="Menlo-Regular" charset="0"/>
-              </a:rPr>
-              <a:t>Users</a:t>
-            </a:r>
-            <a:r>
-              <a:rPr lang="it-IT" dirty="0">
-                <a:solidFill>
-                  <a:srgbClr val="C9CEC4"/>
-                </a:solidFill>
-                <a:latin typeface="Menlo-Regular" charset="0"/>
-              </a:rPr>
-              <a:t>( </a:t>
-            </a:r>
-            <a:endParaRPr lang="it-IT" dirty="0">
-              <a:solidFill>
-                <a:srgbClr val="ECECEC"/>
-              </a:solidFill>
-              <a:latin typeface="Menlo-Regular" charset="0"/>
-            </a:endParaRPr>
-          </a:p>
-          <a:p>
-            <a:r>
-              <a:rPr lang="mr-IN" dirty="0">
-                <a:solidFill>
-                  <a:srgbClr val="C9CEC4"/>
-                </a:solidFill>
-                <a:latin typeface="Menlo-Regular" charset="0"/>
-              </a:rPr>
-              <a:t>   ...&gt;   </a:t>
-            </a:r>
-            <a:r>
-              <a:rPr lang="mr-IN" dirty="0" err="1">
-                <a:solidFill>
-                  <a:srgbClr val="C9CEC4"/>
-                </a:solidFill>
-                <a:latin typeface="Menlo-Regular" charset="0"/>
-              </a:rPr>
-              <a:t>name</a:t>
-            </a:r>
-            <a:r>
-              <a:rPr lang="mr-IN" dirty="0">
-                <a:solidFill>
-                  <a:srgbClr val="C9CEC4"/>
-                </a:solidFill>
-                <a:latin typeface="Menlo-Regular" charset="0"/>
-              </a:rPr>
-              <a:t> VARCHAR(128), </a:t>
-            </a:r>
-            <a:endParaRPr lang="mr-IN" dirty="0">
-              <a:solidFill>
-                <a:srgbClr val="ECECEC"/>
-              </a:solidFill>
-              <a:latin typeface="Menlo-Regular" charset="0"/>
-            </a:endParaRPr>
-          </a:p>
-          <a:p>
-            <a:r>
-              <a:rPr lang="mr-IN" dirty="0">
-                <a:solidFill>
-                  <a:srgbClr val="C9CEC4"/>
-                </a:solidFill>
-                <a:latin typeface="Menlo-Regular" charset="0"/>
-              </a:rPr>
-              <a:t>   ...&gt;   </a:t>
-            </a:r>
-            <a:r>
-              <a:rPr lang="mr-IN" dirty="0" err="1">
-                <a:solidFill>
-                  <a:srgbClr val="C9CEC4"/>
-                </a:solidFill>
-                <a:latin typeface="Menlo-Regular" charset="0"/>
-              </a:rPr>
-              <a:t>email</a:t>
-            </a:r>
-            <a:r>
-              <a:rPr lang="mr-IN" dirty="0">
-                <a:solidFill>
-                  <a:srgbClr val="C9CEC4"/>
-                </a:solidFill>
-                <a:latin typeface="Menlo-Regular" charset="0"/>
-              </a:rPr>
-              <a:t> VARCHAR(128)</a:t>
-            </a:r>
-            <a:endParaRPr lang="mr-IN" dirty="0">
-              <a:solidFill>
-                <a:srgbClr val="ECECEC"/>
-              </a:solidFill>
-              <a:latin typeface="Menlo-Regular" charset="0"/>
-            </a:endParaRPr>
-          </a:p>
-          <a:p>
-            <a:r>
-              <a:rPr lang="mr-IN" dirty="0">
-                <a:solidFill>
-                  <a:srgbClr val="C9CEC4"/>
-                </a:solidFill>
-                <a:latin typeface="Menlo-Regular" charset="0"/>
-              </a:rPr>
-              <a:t>   ...&gt; )</a:t>
-            </a:r>
-            <a:endParaRPr lang="mr-IN" dirty="0">
-              <a:solidFill>
-                <a:srgbClr val="ECECEC"/>
-              </a:solidFill>
-              <a:latin typeface="Menlo-Regular" charset="0"/>
-            </a:endParaRPr>
-          </a:p>
-          <a:p>
-            <a:r>
-              <a:rPr lang="mr-IN" dirty="0">
-                <a:solidFill>
-                  <a:srgbClr val="C9CEC4"/>
-                </a:solidFill>
-                <a:latin typeface="Menlo-Regular" charset="0"/>
-              </a:rPr>
-              <a:t>   ...&gt; ;</a:t>
-            </a:r>
-            <a:endParaRPr lang="mr-IN" dirty="0">
-              <a:solidFill>
-                <a:srgbClr val="ECECEC"/>
-              </a:solidFill>
-              <a:latin typeface="Menlo-Regular" charset="0"/>
-            </a:endParaRPr>
-          </a:p>
-          <a:p>
-            <a:r>
-              <a:rPr lang="en-US" dirty="0" err="1">
-                <a:solidFill>
-                  <a:srgbClr val="C9CEC4"/>
-                </a:solidFill>
-                <a:latin typeface="Menlo-Regular" charset="0"/>
-              </a:rPr>
-              <a:t>sqlite</a:t>
-            </a:r>
-            <a:r>
               <a:rPr lang="en-US" dirty="0">
                 <a:solidFill>
-                  <a:srgbClr val="C9CEC4"/>
-                </a:solidFill>
-                <a:latin typeface="Menlo-Regular" charset="0"/>
-              </a:rPr>
-              <a:t>&gt; .tables</a:t>
-            </a:r>
-            <a:endParaRPr lang="en-US" dirty="0">
-              <a:solidFill>
-                <a:srgbClr val="ECECEC"/>
-              </a:solidFill>
-              <a:latin typeface="Menlo-Regular" charset="0"/>
-            </a:endParaRPr>
-          </a:p>
-          <a:p>
-            <a:r>
-              <a:rPr lang="en-US" dirty="0">
-                <a:solidFill>
-                  <a:srgbClr val="C9CEC4"/>
-                </a:solidFill>
-                <a:latin typeface="Menlo-Regular" charset="0"/>
-              </a:rPr>
-              <a:t>Users</a:t>
-            </a:r>
-            <a:endParaRPr lang="en-US" dirty="0">
-              <a:solidFill>
-                <a:srgbClr val="ECECEC"/>
-              </a:solidFill>
-              <a:latin typeface="Menlo-Regular" charset="0"/>
-            </a:endParaRPr>
-          </a:p>
-          <a:p>
-            <a:r>
-              <a:rPr lang="en-US" dirty="0" err="1">
-                <a:solidFill>
-                  <a:srgbClr val="C9CEC4"/>
-                </a:solidFill>
-                <a:latin typeface="Menlo-Regular" charset="0"/>
-              </a:rPr>
-              <a:t>sqlite</a:t>
-            </a:r>
-            <a:r>
-              <a:rPr lang="en-US" dirty="0">
-                <a:solidFill>
-                  <a:srgbClr val="C9CEC4"/>
-                </a:solidFill>
-                <a:latin typeface="Menlo-Regular" charset="0"/>
-              </a:rPr>
-              <a:t>&gt; .schema Users</a:t>
-            </a:r>
-            <a:endParaRPr lang="en-US" dirty="0">
-              <a:solidFill>
-                <a:srgbClr val="ECECEC"/>
-              </a:solidFill>
-              <a:latin typeface="Menlo-Regular" charset="0"/>
-            </a:endParaRPr>
-          </a:p>
-          <a:p>
-            <a:r>
-              <a:rPr lang="en-US" dirty="0">
-                <a:solidFill>
-                  <a:srgbClr val="C9CEC4"/>
-                </a:solidFill>
-                <a:latin typeface="Menlo-Regular" charset="0"/>
-              </a:rPr>
-              <a:t>CREATE TABLE Users( </a:t>
-            </a:r>
-            <a:endParaRPr lang="en-US" dirty="0">
-              <a:solidFill>
-                <a:srgbClr val="ECECEC"/>
-              </a:solidFill>
-              <a:latin typeface="Menlo-Regular" charset="0"/>
-            </a:endParaRPr>
-          </a:p>
-          <a:p>
-            <a:r>
-              <a:rPr lang="mr-IN" dirty="0">
-                <a:solidFill>
-                  <a:srgbClr val="C9CEC4"/>
-                </a:solidFill>
-                <a:latin typeface="Menlo-Regular" charset="0"/>
-              </a:rPr>
-              <a:t>  </a:t>
-            </a:r>
-            <a:r>
-              <a:rPr lang="mr-IN" dirty="0" err="1">
-                <a:solidFill>
-                  <a:srgbClr val="C9CEC4"/>
-                </a:solidFill>
-                <a:latin typeface="Menlo-Regular" charset="0"/>
-              </a:rPr>
-              <a:t>name</a:t>
-            </a:r>
-            <a:r>
-              <a:rPr lang="mr-IN" dirty="0">
-                <a:solidFill>
-                  <a:srgbClr val="C9CEC4"/>
-                </a:solidFill>
-                <a:latin typeface="Menlo-Regular" charset="0"/>
-              </a:rPr>
-              <a:t> VARCHAR(128), </a:t>
-            </a:r>
-            <a:endParaRPr lang="mr-IN" dirty="0">
-              <a:solidFill>
-                <a:srgbClr val="ECECEC"/>
-              </a:solidFill>
-              <a:latin typeface="Menlo-Regular" charset="0"/>
-            </a:endParaRPr>
-          </a:p>
-          <a:p>
-            <a:r>
-              <a:rPr lang="en-US" dirty="0">
-                <a:solidFill>
-                  <a:srgbClr val="C9CEC4"/>
-                </a:solidFill>
-                <a:latin typeface="Menlo-Regular" charset="0"/>
-              </a:rPr>
-              <a:t>  email VARCHAR(128)</a:t>
-            </a:r>
-            <a:endParaRPr lang="en-US" dirty="0">
-              <a:solidFill>
-                <a:srgbClr val="ECECEC"/>
-              </a:solidFill>
-              <a:latin typeface="Menlo-Regular" charset="0"/>
-            </a:endParaRPr>
-          </a:p>
-          <a:p>
-            <a:r>
-              <a:rPr lang="mr-IN" dirty="0">
-                <a:solidFill>
-                  <a:srgbClr val="C9CEC4"/>
-                </a:solidFill>
-                <a:latin typeface="Menlo-Regular" charset="0"/>
-              </a:rPr>
-              <a:t>);</a:t>
-            </a:r>
-            <a:endParaRPr lang="mr-IN" dirty="0">
-              <a:solidFill>
-                <a:srgbClr val="ECECEC"/>
-              </a:solidFill>
-              <a:latin typeface="Menlo-Regular" charset="0"/>
-            </a:endParaRPr>
-          </a:p>
-          <a:p>
-            <a:r>
-              <a:rPr lang="en-US" dirty="0" err="1">
-                <a:solidFill>
-                  <a:srgbClr val="C9CEC4"/>
-                </a:solidFill>
-                <a:latin typeface="Menlo-Regular" charset="0"/>
-              </a:rPr>
-              <a:t>sqlite</a:t>
-            </a:r>
-            <a:r>
-              <a:rPr lang="en-US" dirty="0">
-                <a:solidFill>
-                  <a:srgbClr val="C9CEC4"/>
-                </a:solidFill>
-                <a:latin typeface="Menlo-Regular" charset="0"/>
+                  <a:schemeClr val="tx2"/>
+                </a:solidFill>
+                <a:latin typeface="Courier" charset="0"/>
+                <a:ea typeface="Courier" charset="0"/>
+                <a:cs typeface="Courier" charset="0"/>
               </a:rPr>
               <a:t>&gt; </a:t>
             </a:r>
-            <a:endParaRPr lang="en-US" dirty="0">
-              <a:solidFill>
-                <a:srgbClr val="ECECEC"/>
-              </a:solidFill>
-              <a:latin typeface="Menlo-Regular" charset="0"/>
-            </a:endParaRPr>
+          </a:p>
+        </p:txBody>
+      </p:sp>
+      <p:sp>
+        <p:nvSpPr>
+          <p:cNvPr id="3" name="Rectangle 2"/>
+          <p:cNvSpPr/>
+          <p:nvPr/>
+        </p:nvSpPr>
+        <p:spPr>
+          <a:xfrm>
+            <a:off x="6962898" y="6045488"/>
+            <a:ext cx="4849661" cy="369332"/>
+          </a:xfrm>
+          <a:prstGeom prst="rect">
+            <a:avLst/>
+          </a:prstGeom>
+        </p:spPr>
+        <p:txBody>
+          <a:bodyPr wrap="none">
+            <a:spAutoFit/>
+          </a:bodyPr>
+          <a:lstStyle/>
+          <a:p>
+            <a:r>
+              <a:rPr lang="en-US"/>
+              <a:t>https://www.dj4e.com/lectures/SQL-01-Basics.txt</a:t>
+            </a:r>
+            <a:endParaRPr lang="en-US" dirty="0"/>
           </a:p>
         </p:txBody>
       </p:sp>
     </p:spTree>
     <p:extLst>
       <p:ext uri="{BB962C8B-B14F-4D97-AF65-F5344CB8AC3E}">
-        <p14:creationId xmlns:p14="http://schemas.microsoft.com/office/powerpoint/2010/main" val="158678624"/>
+        <p14:creationId xmlns:p14="http://schemas.microsoft.com/office/powerpoint/2010/main" val="506291975"/>
       </p:ext>
     </p:extLst>
   </p:cSld>

--- a/lectures/DJ-03-Model-Single.pptx
+++ b/lectures/DJ-03-Model-Single.pptx
@@ -5,7 +5,7 @@
     <p:sldMasterId id="2147483660" r:id="rId1"/>
   </p:sldMasterIdLst>
   <p:notesMasterIdLst>
-    <p:notesMasterId r:id="rId17"/>
+    <p:notesMasterId r:id="rId18"/>
   </p:notesMasterIdLst>
   <p:sldIdLst>
     <p:sldId id="258" r:id="rId2"/>
@@ -19,10 +19,11 @@
     <p:sldId id="329" r:id="rId10"/>
     <p:sldId id="330" r:id="rId11"/>
     <p:sldId id="331" r:id="rId12"/>
-    <p:sldId id="333" r:id="rId13"/>
-    <p:sldId id="334" r:id="rId14"/>
-    <p:sldId id="332" r:id="rId15"/>
-    <p:sldId id="273" r:id="rId16"/>
+    <p:sldId id="336" r:id="rId13"/>
+    <p:sldId id="333" r:id="rId14"/>
+    <p:sldId id="334" r:id="rId15"/>
+    <p:sldId id="332" r:id="rId16"/>
+    <p:sldId id="273" r:id="rId17"/>
   </p:sldIdLst>
   <p:sldSz cx="12192000" cy="6858000"/>
   <p:notesSz cx="6858000" cy="9144000"/>
@@ -211,7 +212,7 @@
           <a:p>
             <a:fld id="{C97B56FC-7D2E-F343-9D09-0D14B00AA564}" type="datetimeFigureOut">
               <a:rPr lang="en-US" smtClean="0"/>
-              <a:t>1/25/19</a:t>
+              <a:t>2/8/19</a:t>
             </a:fld>
             <a:endParaRPr lang="en-US"/>
           </a:p>
@@ -1148,7 +1149,7 @@
           <a:p>
             <a:fld id="{EEE7C04C-7AF8-1445-A186-502B631B934F}" type="datetimeFigureOut">
               <a:rPr lang="en-US" smtClean="0"/>
-              <a:t>1/25/19</a:t>
+              <a:t>2/8/19</a:t>
             </a:fld>
             <a:endParaRPr lang="en-US"/>
           </a:p>
@@ -1313,7 +1314,7 @@
           <a:p>
             <a:fld id="{EEE7C04C-7AF8-1445-A186-502B631B934F}" type="datetimeFigureOut">
               <a:rPr lang="en-US" smtClean="0"/>
-              <a:t>1/25/19</a:t>
+              <a:t>2/8/19</a:t>
             </a:fld>
             <a:endParaRPr lang="en-US"/>
           </a:p>
@@ -1488,7 +1489,7 @@
           <a:p>
             <a:fld id="{EEE7C04C-7AF8-1445-A186-502B631B934F}" type="datetimeFigureOut">
               <a:rPr lang="en-US" smtClean="0"/>
-              <a:t>1/25/19</a:t>
+              <a:t>2/8/19</a:t>
             </a:fld>
             <a:endParaRPr lang="en-US"/>
           </a:p>
@@ -1653,7 +1654,7 @@
           <a:p>
             <a:fld id="{EEE7C04C-7AF8-1445-A186-502B631B934F}" type="datetimeFigureOut">
               <a:rPr lang="en-US" smtClean="0"/>
-              <a:t>1/25/19</a:t>
+              <a:t>2/8/19</a:t>
             </a:fld>
             <a:endParaRPr lang="en-US"/>
           </a:p>
@@ -1894,7 +1895,7 @@
           <a:p>
             <a:fld id="{EEE7C04C-7AF8-1445-A186-502B631B934F}" type="datetimeFigureOut">
               <a:rPr lang="en-US" smtClean="0"/>
-              <a:t>1/25/19</a:t>
+              <a:t>2/8/19</a:t>
             </a:fld>
             <a:endParaRPr lang="en-US"/>
           </a:p>
@@ -2121,7 +2122,7 @@
           <a:p>
             <a:fld id="{EEE7C04C-7AF8-1445-A186-502B631B934F}" type="datetimeFigureOut">
               <a:rPr lang="en-US" smtClean="0"/>
-              <a:t>1/25/19</a:t>
+              <a:t>2/8/19</a:t>
             </a:fld>
             <a:endParaRPr lang="en-US"/>
           </a:p>
@@ -2483,7 +2484,7 @@
           <a:p>
             <a:fld id="{EEE7C04C-7AF8-1445-A186-502B631B934F}" type="datetimeFigureOut">
               <a:rPr lang="en-US" smtClean="0"/>
-              <a:t>1/25/19</a:t>
+              <a:t>2/8/19</a:t>
             </a:fld>
             <a:endParaRPr lang="en-US"/>
           </a:p>
@@ -2596,7 +2597,7 @@
           <a:p>
             <a:fld id="{EEE7C04C-7AF8-1445-A186-502B631B934F}" type="datetimeFigureOut">
               <a:rPr lang="en-US" smtClean="0"/>
-              <a:t>1/25/19</a:t>
+              <a:t>2/8/19</a:t>
             </a:fld>
             <a:endParaRPr lang="en-US"/>
           </a:p>
@@ -2686,7 +2687,7 @@
           <a:p>
             <a:fld id="{EEE7C04C-7AF8-1445-A186-502B631B934F}" type="datetimeFigureOut">
               <a:rPr lang="en-US" smtClean="0"/>
-              <a:t>1/25/19</a:t>
+              <a:t>2/8/19</a:t>
             </a:fld>
             <a:endParaRPr lang="en-US"/>
           </a:p>
@@ -2958,7 +2959,7 @@
           <a:p>
             <a:fld id="{EEE7C04C-7AF8-1445-A186-502B631B934F}" type="datetimeFigureOut">
               <a:rPr lang="en-US" smtClean="0"/>
-              <a:t>1/25/19</a:t>
+              <a:t>2/8/19</a:t>
             </a:fld>
             <a:endParaRPr lang="en-US"/>
           </a:p>
@@ -3210,7 +3211,7 @@
           <a:p>
             <a:fld id="{EEE7C04C-7AF8-1445-A186-502B631B934F}" type="datetimeFigureOut">
               <a:rPr lang="en-US" smtClean="0"/>
-              <a:t>1/25/19</a:t>
+              <a:t>2/8/19</a:t>
             </a:fld>
             <a:endParaRPr lang="en-US"/>
           </a:p>
@@ -3418,7 +3419,7 @@
           <a:p>
             <a:fld id="{EEE7C04C-7AF8-1445-A186-502B631B934F}" type="datetimeFigureOut">
               <a:rPr lang="en-US" smtClean="0"/>
-              <a:t>1/25/19</a:t>
+              <a:t>2/8/19</a:t>
             </a:fld>
             <a:endParaRPr lang="en-US"/>
           </a:p>
@@ -5012,6 +5013,559 @@
           <a:chExt cx="0" cy="0"/>
         </a:xfrm>
       </p:grpSpPr>
+      <p:sp>
+        <p:nvSpPr>
+          <p:cNvPr id="3" name="Title 2"/>
+          <p:cNvSpPr>
+            <a:spLocks noGrp="1"/>
+          </p:cNvSpPr>
+          <p:nvPr>
+            <p:ph type="title"/>
+          </p:nvPr>
+        </p:nvSpPr>
+        <p:spPr/>
+        <p:txBody>
+          <a:bodyPr/>
+          <a:lstStyle/>
+          <a:p>
+            <a:r>
+              <a:rPr lang="en-US" dirty="0" smtClean="0"/>
+              <a:t>Model Field Types</a:t>
+            </a:r>
+            <a:endParaRPr lang="en-US" dirty="0"/>
+          </a:p>
+        </p:txBody>
+      </p:sp>
+      <p:sp>
+        <p:nvSpPr>
+          <p:cNvPr id="4" name="Content Placeholder 3"/>
+          <p:cNvSpPr>
+            <a:spLocks noGrp="1"/>
+          </p:cNvSpPr>
+          <p:nvPr>
+            <p:ph sz="half" idx="1"/>
+          </p:nvPr>
+        </p:nvSpPr>
+        <p:spPr>
+          <a:xfrm>
+            <a:off x="538157" y="1716089"/>
+            <a:ext cx="3190875" cy="4351338"/>
+          </a:xfrm>
+        </p:spPr>
+        <p:txBody>
+          <a:bodyPr>
+            <a:normAutofit fontScale="92500" lnSpcReduction="20000"/>
+          </a:bodyPr>
+          <a:lstStyle/>
+          <a:p>
+            <a:r>
+              <a:rPr lang="en-US" dirty="0" err="1" smtClean="0"/>
+              <a:t>AutoField</a:t>
+            </a:r>
+            <a:endParaRPr lang="en-US" dirty="0" smtClean="0"/>
+          </a:p>
+          <a:p>
+            <a:r>
+              <a:rPr lang="en-US" dirty="0" err="1" smtClean="0"/>
+              <a:t>BigAutoField</a:t>
+            </a:r>
+            <a:endParaRPr lang="en-US" dirty="0" smtClean="0"/>
+          </a:p>
+          <a:p>
+            <a:r>
+              <a:rPr lang="en-US" dirty="0" err="1" smtClean="0"/>
+              <a:t>BigIntegerField</a:t>
+            </a:r>
+            <a:endParaRPr lang="en-US" dirty="0" smtClean="0"/>
+          </a:p>
+          <a:p>
+            <a:r>
+              <a:rPr lang="en-US" dirty="0" err="1" smtClean="0"/>
+              <a:t>BinaryField</a:t>
+            </a:r>
+            <a:endParaRPr lang="en-US" dirty="0" smtClean="0"/>
+          </a:p>
+          <a:p>
+            <a:r>
+              <a:rPr lang="en-US" dirty="0" err="1" smtClean="0"/>
+              <a:t>BooleanField</a:t>
+            </a:r>
+            <a:endParaRPr lang="en-US" dirty="0" smtClean="0"/>
+          </a:p>
+          <a:p>
+            <a:r>
+              <a:rPr lang="en-US" dirty="0" err="1" smtClean="0"/>
+              <a:t>CharField</a:t>
+            </a:r>
+            <a:endParaRPr lang="en-US" dirty="0" smtClean="0"/>
+          </a:p>
+          <a:p>
+            <a:r>
+              <a:rPr lang="en-US" dirty="0" err="1" smtClean="0"/>
+              <a:t>DateField</a:t>
+            </a:r>
+            <a:endParaRPr lang="en-US" dirty="0" smtClean="0"/>
+          </a:p>
+          <a:p>
+            <a:r>
+              <a:rPr lang="en-US" dirty="0" err="1" smtClean="0"/>
+              <a:t>DateTimeField</a:t>
+            </a:r>
+            <a:endParaRPr lang="en-US" dirty="0" smtClean="0"/>
+          </a:p>
+          <a:p>
+            <a:r>
+              <a:rPr lang="en-US" dirty="0" err="1" smtClean="0"/>
+              <a:t>DecimalField</a:t>
+            </a:r>
+            <a:endParaRPr lang="en-US" dirty="0" smtClean="0"/>
+          </a:p>
+          <a:p>
+            <a:r>
+              <a:rPr lang="en-US" dirty="0" err="1"/>
+              <a:t>DurationField</a:t>
+            </a:r>
+            <a:endParaRPr lang="en-US" dirty="0" smtClean="0"/>
+          </a:p>
+          <a:p>
+            <a:endParaRPr lang="en-US" dirty="0"/>
+          </a:p>
+        </p:txBody>
+      </p:sp>
+      <p:sp>
+        <p:nvSpPr>
+          <p:cNvPr id="5" name="Content Placeholder 4"/>
+          <p:cNvSpPr>
+            <a:spLocks noGrp="1"/>
+          </p:cNvSpPr>
+          <p:nvPr>
+            <p:ph sz="half" idx="2"/>
+          </p:nvPr>
+        </p:nvSpPr>
+        <p:spPr>
+          <a:xfrm>
+            <a:off x="3729032" y="1716089"/>
+            <a:ext cx="3529013" cy="4351338"/>
+          </a:xfrm>
+        </p:spPr>
+        <p:txBody>
+          <a:bodyPr>
+            <a:normAutofit fontScale="92500" lnSpcReduction="20000"/>
+          </a:bodyPr>
+          <a:lstStyle/>
+          <a:p>
+            <a:r>
+              <a:rPr lang="en-US" dirty="0" err="1" smtClean="0"/>
+              <a:t>EmailField</a:t>
+            </a:r>
+            <a:endParaRPr lang="en-US" dirty="0" smtClean="0"/>
+          </a:p>
+          <a:p>
+            <a:r>
+              <a:rPr lang="en-US" dirty="0" err="1" smtClean="0"/>
+              <a:t>FileField</a:t>
+            </a:r>
+            <a:endParaRPr lang="en-US" dirty="0"/>
+          </a:p>
+          <a:p>
+            <a:r>
+              <a:rPr lang="en-US" dirty="0" err="1" smtClean="0"/>
+              <a:t>FilePathField</a:t>
+            </a:r>
+            <a:endParaRPr lang="en-US" dirty="0" smtClean="0"/>
+          </a:p>
+          <a:p>
+            <a:r>
+              <a:rPr lang="en-US" dirty="0" err="1" smtClean="0"/>
+              <a:t>FloatField</a:t>
+            </a:r>
+            <a:endParaRPr lang="en-US" dirty="0" smtClean="0"/>
+          </a:p>
+          <a:p>
+            <a:r>
+              <a:rPr lang="en-US" dirty="0" err="1" smtClean="0"/>
+              <a:t>ImageField</a:t>
+            </a:r>
+            <a:endParaRPr lang="en-US" dirty="0"/>
+          </a:p>
+          <a:p>
+            <a:r>
+              <a:rPr lang="en-US" dirty="0" err="1" smtClean="0"/>
+              <a:t>IntegerField</a:t>
+            </a:r>
+            <a:endParaRPr lang="en-US" dirty="0" smtClean="0"/>
+          </a:p>
+          <a:p>
+            <a:r>
+              <a:rPr lang="en-US" dirty="0" err="1"/>
+              <a:t>GenericIPAddressField</a:t>
+            </a:r>
+            <a:endParaRPr lang="en-US" dirty="0"/>
+          </a:p>
+          <a:p>
+            <a:r>
+              <a:rPr lang="en-US" dirty="0" err="1" smtClean="0"/>
+              <a:t>NullBooleanField</a:t>
+            </a:r>
+            <a:endParaRPr lang="en-US" dirty="0" smtClean="0"/>
+          </a:p>
+          <a:p>
+            <a:r>
+              <a:rPr lang="en-US" dirty="0" err="1" smtClean="0"/>
+              <a:t>PositiveIntegerField</a:t>
+            </a:r>
+            <a:endParaRPr lang="en-US" dirty="0" smtClean="0"/>
+          </a:p>
+        </p:txBody>
+      </p:sp>
+      <p:sp>
+        <p:nvSpPr>
+          <p:cNvPr id="6" name="Rectangle 5"/>
+          <p:cNvSpPr/>
+          <p:nvPr/>
+        </p:nvSpPr>
+        <p:spPr>
+          <a:xfrm>
+            <a:off x="3259198" y="6311900"/>
+            <a:ext cx="6781280" cy="369332"/>
+          </a:xfrm>
+          <a:prstGeom prst="rect">
+            <a:avLst/>
+          </a:prstGeom>
+        </p:spPr>
+        <p:txBody>
+          <a:bodyPr wrap="none">
+            <a:spAutoFit/>
+          </a:bodyPr>
+          <a:lstStyle/>
+          <a:p>
+            <a:r>
+              <a:rPr lang="en-US" dirty="0"/>
+              <a:t>https://</a:t>
+            </a:r>
+            <a:r>
+              <a:rPr lang="en-US" dirty="0" err="1"/>
+              <a:t>docs.djangoproject.com</a:t>
+            </a:r>
+            <a:r>
+              <a:rPr lang="en-US" dirty="0"/>
+              <a:t>/</a:t>
+            </a:r>
+            <a:r>
+              <a:rPr lang="en-US" dirty="0" err="1"/>
+              <a:t>en</a:t>
+            </a:r>
+            <a:r>
+              <a:rPr lang="en-US" dirty="0"/>
+              <a:t>/2.1/ref/models/fields/#field-types</a:t>
+            </a:r>
+          </a:p>
+        </p:txBody>
+      </p:sp>
+      <p:sp>
+        <p:nvSpPr>
+          <p:cNvPr id="7" name="Content Placeholder 4"/>
+          <p:cNvSpPr txBox="1">
+            <a:spLocks/>
+          </p:cNvSpPr>
+          <p:nvPr/>
+        </p:nvSpPr>
+        <p:spPr>
+          <a:xfrm>
+            <a:off x="7450926" y="1716089"/>
+            <a:ext cx="4329112" cy="3898899"/>
+          </a:xfrm>
+          <a:prstGeom prst="rect">
+            <a:avLst/>
+          </a:prstGeom>
+        </p:spPr>
+        <p:txBody>
+          <a:bodyPr vert="horz" lIns="91440" tIns="45720" rIns="91440" bIns="45720" rtlCol="0">
+            <a:normAutofit fontScale="92500" lnSpcReduction="20000"/>
+          </a:bodyPr>
+          <a:lstStyle>
+            <a:lvl1pPr marL="228600" indent="-228600" algn="l" defTabSz="914400" rtl="0" eaLnBrk="1" latinLnBrk="0" hangingPunct="1">
+              <a:lnSpc>
+                <a:spcPct val="90000"/>
+              </a:lnSpc>
+              <a:spcBef>
+                <a:spcPts val="1000"/>
+              </a:spcBef>
+              <a:buFont typeface="Arial" panose="020B0604020202020204" pitchFamily="34" charset="0"/>
+              <a:buChar char="•"/>
+              <a:defRPr sz="2800" kern="1200">
+                <a:solidFill>
+                  <a:schemeClr val="tx1"/>
+                </a:solidFill>
+                <a:latin typeface="+mn-lt"/>
+                <a:ea typeface="+mn-ea"/>
+                <a:cs typeface="+mn-cs"/>
+              </a:defRPr>
+            </a:lvl1pPr>
+            <a:lvl2pPr marL="685800" indent="-228600" algn="l" defTabSz="914400" rtl="0" eaLnBrk="1" latinLnBrk="0" hangingPunct="1">
+              <a:lnSpc>
+                <a:spcPct val="90000"/>
+              </a:lnSpc>
+              <a:spcBef>
+                <a:spcPts val="500"/>
+              </a:spcBef>
+              <a:buFont typeface="Arial" panose="020B0604020202020204" pitchFamily="34" charset="0"/>
+              <a:buChar char="•"/>
+              <a:defRPr sz="2400" kern="1200">
+                <a:solidFill>
+                  <a:schemeClr val="tx1"/>
+                </a:solidFill>
+                <a:latin typeface="+mn-lt"/>
+                <a:ea typeface="+mn-ea"/>
+                <a:cs typeface="+mn-cs"/>
+              </a:defRPr>
+            </a:lvl2pPr>
+            <a:lvl3pPr marL="1143000" indent="-228600" algn="l" defTabSz="914400" rtl="0" eaLnBrk="1" latinLnBrk="0" hangingPunct="1">
+              <a:lnSpc>
+                <a:spcPct val="90000"/>
+              </a:lnSpc>
+              <a:spcBef>
+                <a:spcPts val="500"/>
+              </a:spcBef>
+              <a:buFont typeface="Arial" panose="020B0604020202020204" pitchFamily="34" charset="0"/>
+              <a:buChar char="•"/>
+              <a:defRPr sz="2000" kern="1200">
+                <a:solidFill>
+                  <a:schemeClr val="tx1"/>
+                </a:solidFill>
+                <a:latin typeface="+mn-lt"/>
+                <a:ea typeface="+mn-ea"/>
+                <a:cs typeface="+mn-cs"/>
+              </a:defRPr>
+            </a:lvl3pPr>
+            <a:lvl4pPr marL="1600200" indent="-228600" algn="l" defTabSz="914400" rtl="0" eaLnBrk="1" latinLnBrk="0" hangingPunct="1">
+              <a:lnSpc>
+                <a:spcPct val="90000"/>
+              </a:lnSpc>
+              <a:spcBef>
+                <a:spcPts val="500"/>
+              </a:spcBef>
+              <a:buFont typeface="Arial" panose="020B0604020202020204" pitchFamily="34" charset="0"/>
+              <a:buChar char="•"/>
+              <a:defRPr sz="1800" kern="1200">
+                <a:solidFill>
+                  <a:schemeClr val="tx1"/>
+                </a:solidFill>
+                <a:latin typeface="+mn-lt"/>
+                <a:ea typeface="+mn-ea"/>
+                <a:cs typeface="+mn-cs"/>
+              </a:defRPr>
+            </a:lvl4pPr>
+            <a:lvl5pPr marL="2057400" indent="-228600" algn="l" defTabSz="914400" rtl="0" eaLnBrk="1" latinLnBrk="0" hangingPunct="1">
+              <a:lnSpc>
+                <a:spcPct val="90000"/>
+              </a:lnSpc>
+              <a:spcBef>
+                <a:spcPts val="500"/>
+              </a:spcBef>
+              <a:buFont typeface="Arial" panose="020B0604020202020204" pitchFamily="34" charset="0"/>
+              <a:buChar char="•"/>
+              <a:defRPr sz="1800" kern="1200">
+                <a:solidFill>
+                  <a:schemeClr val="tx1"/>
+                </a:solidFill>
+                <a:latin typeface="+mn-lt"/>
+                <a:ea typeface="+mn-ea"/>
+                <a:cs typeface="+mn-cs"/>
+              </a:defRPr>
+            </a:lvl5pPr>
+            <a:lvl6pPr marL="2514600" indent="-228600" algn="l" defTabSz="914400" rtl="0" eaLnBrk="1" latinLnBrk="0" hangingPunct="1">
+              <a:lnSpc>
+                <a:spcPct val="90000"/>
+              </a:lnSpc>
+              <a:spcBef>
+                <a:spcPts val="500"/>
+              </a:spcBef>
+              <a:buFont typeface="Arial" panose="020B0604020202020204" pitchFamily="34" charset="0"/>
+              <a:buChar char="•"/>
+              <a:defRPr sz="1800" kern="1200">
+                <a:solidFill>
+                  <a:schemeClr val="tx1"/>
+                </a:solidFill>
+                <a:latin typeface="+mn-lt"/>
+                <a:ea typeface="+mn-ea"/>
+                <a:cs typeface="+mn-cs"/>
+              </a:defRPr>
+            </a:lvl6pPr>
+            <a:lvl7pPr marL="2971800" indent="-228600" algn="l" defTabSz="914400" rtl="0" eaLnBrk="1" latinLnBrk="0" hangingPunct="1">
+              <a:lnSpc>
+                <a:spcPct val="90000"/>
+              </a:lnSpc>
+              <a:spcBef>
+                <a:spcPts val="500"/>
+              </a:spcBef>
+              <a:buFont typeface="Arial" panose="020B0604020202020204" pitchFamily="34" charset="0"/>
+              <a:buChar char="•"/>
+              <a:defRPr sz="1800" kern="1200">
+                <a:solidFill>
+                  <a:schemeClr val="tx1"/>
+                </a:solidFill>
+                <a:latin typeface="+mn-lt"/>
+                <a:ea typeface="+mn-ea"/>
+                <a:cs typeface="+mn-cs"/>
+              </a:defRPr>
+            </a:lvl7pPr>
+            <a:lvl8pPr marL="3429000" indent="-228600" algn="l" defTabSz="914400" rtl="0" eaLnBrk="1" latinLnBrk="0" hangingPunct="1">
+              <a:lnSpc>
+                <a:spcPct val="90000"/>
+              </a:lnSpc>
+              <a:spcBef>
+                <a:spcPts val="500"/>
+              </a:spcBef>
+              <a:buFont typeface="Arial" panose="020B0604020202020204" pitchFamily="34" charset="0"/>
+              <a:buChar char="•"/>
+              <a:defRPr sz="1800" kern="1200">
+                <a:solidFill>
+                  <a:schemeClr val="tx1"/>
+                </a:solidFill>
+                <a:latin typeface="+mn-lt"/>
+                <a:ea typeface="+mn-ea"/>
+                <a:cs typeface="+mn-cs"/>
+              </a:defRPr>
+            </a:lvl8pPr>
+            <a:lvl9pPr marL="3886200" indent="-228600" algn="l" defTabSz="914400" rtl="0" eaLnBrk="1" latinLnBrk="0" hangingPunct="1">
+              <a:lnSpc>
+                <a:spcPct val="90000"/>
+              </a:lnSpc>
+              <a:spcBef>
+                <a:spcPts val="500"/>
+              </a:spcBef>
+              <a:buFont typeface="Arial" panose="020B0604020202020204" pitchFamily="34" charset="0"/>
+              <a:buChar char="•"/>
+              <a:defRPr sz="1800" kern="1200">
+                <a:solidFill>
+                  <a:schemeClr val="tx1"/>
+                </a:solidFill>
+                <a:latin typeface="+mn-lt"/>
+                <a:ea typeface="+mn-ea"/>
+                <a:cs typeface="+mn-cs"/>
+              </a:defRPr>
+            </a:lvl9pPr>
+          </a:lstStyle>
+          <a:p>
+            <a:r>
+              <a:rPr lang="en-US" dirty="0" err="1"/>
+              <a:t>PositiveSmallIntegerField</a:t>
+            </a:r>
+            <a:endParaRPr lang="en-US" dirty="0"/>
+          </a:p>
+          <a:p>
+            <a:r>
+              <a:rPr lang="en-US" dirty="0" err="1" smtClean="0"/>
+              <a:t>SlugField</a:t>
+            </a:r>
+            <a:endParaRPr lang="en-US" dirty="0" smtClean="0"/>
+          </a:p>
+          <a:p>
+            <a:r>
+              <a:rPr lang="en-US" dirty="0" err="1" smtClean="0"/>
+              <a:t>SmallIntegerField</a:t>
+            </a:r>
+            <a:endParaRPr lang="en-US" dirty="0" smtClean="0"/>
+          </a:p>
+          <a:p>
+            <a:r>
+              <a:rPr lang="en-US" dirty="0" err="1" smtClean="0"/>
+              <a:t>TextFIeld</a:t>
+            </a:r>
+            <a:endParaRPr lang="en-US" dirty="0" smtClean="0"/>
+          </a:p>
+          <a:p>
+            <a:r>
+              <a:rPr lang="en-US" dirty="0" err="1" smtClean="0"/>
+              <a:t>TimeField</a:t>
+            </a:r>
+            <a:endParaRPr lang="en-US" dirty="0" smtClean="0"/>
+          </a:p>
+          <a:p>
+            <a:r>
+              <a:rPr lang="en-US" dirty="0" err="1" smtClean="0"/>
+              <a:t>URLField</a:t>
+            </a:r>
+            <a:endParaRPr lang="en-US" dirty="0" smtClean="0"/>
+          </a:p>
+          <a:p>
+            <a:r>
+              <a:rPr lang="en-US" dirty="0" err="1" smtClean="0">
+                <a:solidFill>
+                  <a:srgbClr val="FFFF00"/>
+                </a:solidFill>
+              </a:rPr>
+              <a:t>ForeignKey</a:t>
+            </a:r>
+            <a:endParaRPr lang="en-US" dirty="0" smtClean="0">
+              <a:solidFill>
+                <a:srgbClr val="FFFF00"/>
+              </a:solidFill>
+            </a:endParaRPr>
+          </a:p>
+          <a:p>
+            <a:r>
+              <a:rPr lang="en-US" dirty="0" err="1" smtClean="0">
+                <a:solidFill>
+                  <a:srgbClr val="FFFF00"/>
+                </a:solidFill>
+              </a:rPr>
+              <a:t>ManyToManyField</a:t>
+            </a:r>
+            <a:endParaRPr lang="en-US" dirty="0" smtClean="0">
+              <a:solidFill>
+                <a:srgbClr val="FFFF00"/>
+              </a:solidFill>
+            </a:endParaRPr>
+          </a:p>
+          <a:p>
+            <a:r>
+              <a:rPr lang="en-US" dirty="0" err="1" smtClean="0">
+                <a:solidFill>
+                  <a:srgbClr val="FFFF00"/>
+                </a:solidFill>
+              </a:rPr>
+              <a:t>OneToOneField</a:t>
+            </a:r>
+            <a:endParaRPr lang="en-US" dirty="0">
+              <a:solidFill>
+                <a:srgbClr val="FFFF00"/>
+              </a:solidFill>
+            </a:endParaRPr>
+          </a:p>
+        </p:txBody>
+      </p:sp>
+    </p:spTree>
+    <p:extLst>
+      <p:ext uri="{BB962C8B-B14F-4D97-AF65-F5344CB8AC3E}">
+        <p14:creationId xmlns:p14="http://schemas.microsoft.com/office/powerpoint/2010/main" val="1642719288"/>
+      </p:ext>
+    </p:extLst>
+  </p:cSld>
+  <p:clrMapOvr>
+    <a:masterClrMapping/>
+  </p:clrMapOvr>
+</p:sld>
+</file>
+
+<file path=ppt/slides/slide13.xml><?xml version="1.0" encoding="utf-8"?>
+<p:sld xmlns:a="http://schemas.openxmlformats.org/drawingml/2006/main" xmlns:r="http://schemas.openxmlformats.org/officeDocument/2006/relationships" xmlns:p="http://schemas.openxmlformats.org/presentationml/2006/main">
+  <p:cSld>
+    <p:spTree>
+      <p:nvGrpSpPr>
+        <p:cNvPr id="1" name=""/>
+        <p:cNvGrpSpPr/>
+        <p:nvPr/>
+      </p:nvGrpSpPr>
+      <p:grpSpPr>
+        <a:xfrm>
+          <a:off x="0" y="0"/>
+          <a:ext cx="0" cy="0"/>
+          <a:chOff x="0" y="0"/>
+          <a:chExt cx="0" cy="0"/>
+        </a:xfrm>
+      </p:grpSpPr>
       <p:pic>
         <p:nvPicPr>
           <p:cNvPr id="4" name="Picture 3"/>
@@ -5108,7 +5662,7 @@
 </p:sld>
 </file>
 
-<file path=ppt/slides/slide13.xml><?xml version="1.0" encoding="utf-8"?>
+<file path=ppt/slides/slide14.xml><?xml version="1.0" encoding="utf-8"?>
 <p:sld xmlns:a="http://schemas.openxmlformats.org/drawingml/2006/main" xmlns:r="http://schemas.openxmlformats.org/officeDocument/2006/relationships" xmlns:p="http://schemas.openxmlformats.org/presentationml/2006/main">
   <p:cSld>
     <p:spTree>
@@ -7021,7 +7575,7 @@
 </p:sld>
 </file>
 
-<file path=ppt/slides/slide14.xml><?xml version="1.0" encoding="utf-8"?>
+<file path=ppt/slides/slide15.xml><?xml version="1.0" encoding="utf-8"?>
 <p:sld xmlns:a="http://schemas.openxmlformats.org/drawingml/2006/main" xmlns:r="http://schemas.openxmlformats.org/officeDocument/2006/relationships" xmlns:p="http://schemas.openxmlformats.org/presentationml/2006/main">
   <p:cSld>
     <p:spTree>
@@ -7138,7 +7692,7 @@
 </p:sld>
 </file>
 
-<file path=ppt/slides/slide15.xml><?xml version="1.0" encoding="utf-8"?>
+<file path=ppt/slides/slide16.xml><?xml version="1.0" encoding="utf-8"?>
 <p:sld xmlns:a="http://schemas.openxmlformats.org/drawingml/2006/main" xmlns:r="http://schemas.openxmlformats.org/officeDocument/2006/relationships" xmlns:p="http://schemas.openxmlformats.org/presentationml/2006/main">
   <p:cSld>
     <p:spTree>
